--- a/Slides/Growth_Single.pptx
+++ b/Slides/Growth_Single.pptx
@@ -5,22 +5,27 @@
     <p:sldMasterId id="2147483648" r:id="rId1"/>
   </p:sldMasterIdLst>
   <p:notesMasterIdLst>
-    <p:notesMasterId r:id="rId12"/>
+    <p:notesMasterId r:id="rId17"/>
   </p:notesMasterIdLst>
   <p:handoutMasterIdLst>
-    <p:handoutMasterId r:id="rId13"/>
+    <p:handoutMasterId r:id="rId18"/>
   </p:handoutMasterIdLst>
   <p:sldIdLst>
-    <p:sldId id="334" r:id="rId2"/>
+    <p:sldId id="340" r:id="rId2"/>
     <p:sldId id="311" r:id="rId3"/>
     <p:sldId id="312" r:id="rId4"/>
     <p:sldId id="316" r:id="rId5"/>
     <p:sldId id="315" r:id="rId6"/>
-    <p:sldId id="336" r:id="rId7"/>
-    <p:sldId id="339" r:id="rId8"/>
-    <p:sldId id="335" r:id="rId9"/>
-    <p:sldId id="337" r:id="rId10"/>
-    <p:sldId id="338" r:id="rId11"/>
+    <p:sldId id="341" r:id="rId7"/>
+    <p:sldId id="342" r:id="rId8"/>
+    <p:sldId id="343" r:id="rId9"/>
+    <p:sldId id="344" r:id="rId10"/>
+    <p:sldId id="345" r:id="rId11"/>
+    <p:sldId id="336" r:id="rId12"/>
+    <p:sldId id="339" r:id="rId13"/>
+    <p:sldId id="335" r:id="rId14"/>
+    <p:sldId id="337" r:id="rId15"/>
+    <p:sldId id="338" r:id="rId16"/>
   </p:sldIdLst>
   <p:sldSz cx="9144000" cy="6858000" type="screen4x3"/>
   <p:notesSz cx="6858000" cy="9190038"/>
@@ -880,9 +885,14 @@
           <a:bodyPr/>
           <a:lstStyle/>
           <a:p>
-            <a:fld id="{2F6E3EE8-E7EE-4662-9D4D-EDFD50A59877}" type="slidenum">
+            <a:pPr>
+              <a:defRPr/>
+            </a:pPr>
+            <a:fld id="{600BF82D-1B81-4333-9A31-CBB42AB2AA36}" type="slidenum">
               <a:rPr lang="en-US" smtClean="0"/>
-              <a:pPr/>
+              <a:pPr>
+                <a:defRPr/>
+              </a:pPr>
               <a:t>1</a:t>
             </a:fld>
             <a:endParaRPr lang="en-US"/>
@@ -892,7 +902,7 @@
     </p:spTree>
     <p:extLst>
       <p:ext uri="{BB962C8B-B14F-4D97-AF65-F5344CB8AC3E}">
-        <p14:creationId xmlns:p14="http://schemas.microsoft.com/office/powerpoint/2010/main" val="677991352"/>
+        <p14:creationId xmlns:p14="http://schemas.microsoft.com/office/powerpoint/2010/main" val="3994880349"/>
       </p:ext>
     </p:extLst>
   </p:cSld>
@@ -1144,6 +1154,180 @@
     <p:extLst>
       <p:ext uri="{BB962C8B-B14F-4D97-AF65-F5344CB8AC3E}">
         <p14:creationId xmlns:p14="http://schemas.microsoft.com/office/powerpoint/2010/main" val="4187248521"/>
+      </p:ext>
+    </p:extLst>
+  </p:cSld>
+  <p:clrMapOvr>
+    <a:masterClrMapping/>
+  </p:clrMapOvr>
+</p:notes>
+</file>
+
+<file path=ppt/notesSlides/notesSlide4.xml><?xml version="1.0" encoding="utf-8"?>
+<p:notes xmlns:a="http://schemas.openxmlformats.org/drawingml/2006/main" xmlns:r="http://schemas.openxmlformats.org/officeDocument/2006/relationships" xmlns:p="http://schemas.openxmlformats.org/presentationml/2006/main">
+  <p:cSld>
+    <p:spTree>
+      <p:nvGrpSpPr>
+        <p:cNvPr id="1" name=""/>
+        <p:cNvGrpSpPr/>
+        <p:nvPr/>
+      </p:nvGrpSpPr>
+      <p:grpSpPr>
+        <a:xfrm>
+          <a:off x="0" y="0"/>
+          <a:ext cx="0" cy="0"/>
+          <a:chOff x="0" y="0"/>
+          <a:chExt cx="0" cy="0"/>
+        </a:xfrm>
+      </p:grpSpPr>
+      <p:sp>
+        <p:nvSpPr>
+          <p:cNvPr id="2" name="Slide Image Placeholder 1"/>
+          <p:cNvSpPr>
+            <a:spLocks noGrp="1" noRot="1" noChangeAspect="1"/>
+          </p:cNvSpPr>
+          <p:nvPr>
+            <p:ph type="sldImg"/>
+          </p:nvPr>
+        </p:nvSpPr>
+        <p:spPr/>
+      </p:sp>
+      <p:sp>
+        <p:nvSpPr>
+          <p:cNvPr id="3" name="Notes Placeholder 2"/>
+          <p:cNvSpPr>
+            <a:spLocks noGrp="1"/>
+          </p:cNvSpPr>
+          <p:nvPr>
+            <p:ph type="body" idx="1"/>
+          </p:nvPr>
+        </p:nvSpPr>
+        <p:spPr/>
+        <p:txBody>
+          <a:bodyPr/>
+          <a:lstStyle/>
+          <a:p>
+            <a:endParaRPr lang="en-US"/>
+          </a:p>
+        </p:txBody>
+      </p:sp>
+      <p:sp>
+        <p:nvSpPr>
+          <p:cNvPr id="4" name="Slide Number Placeholder 3"/>
+          <p:cNvSpPr>
+            <a:spLocks noGrp="1"/>
+          </p:cNvSpPr>
+          <p:nvPr>
+            <p:ph type="sldNum" sz="quarter" idx="10"/>
+          </p:nvPr>
+        </p:nvSpPr>
+        <p:spPr/>
+        <p:txBody>
+          <a:bodyPr/>
+          <a:lstStyle/>
+          <a:p>
+            <a:fld id="{50525F3E-A22F-4AAF-9AA7-39450C98BB89}" type="slidenum">
+              <a:rPr lang="en-US" smtClean="0"/>
+              <a:pPr/>
+              <a:t>6</a:t>
+            </a:fld>
+            <a:endParaRPr lang="en-US"/>
+          </a:p>
+        </p:txBody>
+      </p:sp>
+    </p:spTree>
+    <p:extLst>
+      <p:ext uri="{BB962C8B-B14F-4D97-AF65-F5344CB8AC3E}">
+        <p14:creationId xmlns:p14="http://schemas.microsoft.com/office/powerpoint/2010/main" val="3611015893"/>
+      </p:ext>
+    </p:extLst>
+  </p:cSld>
+  <p:clrMapOvr>
+    <a:masterClrMapping/>
+  </p:clrMapOvr>
+</p:notes>
+</file>
+
+<file path=ppt/notesSlides/notesSlide5.xml><?xml version="1.0" encoding="utf-8"?>
+<p:notes xmlns:a="http://schemas.openxmlformats.org/drawingml/2006/main" xmlns:r="http://schemas.openxmlformats.org/officeDocument/2006/relationships" xmlns:p="http://schemas.openxmlformats.org/presentationml/2006/main">
+  <p:cSld>
+    <p:spTree>
+      <p:nvGrpSpPr>
+        <p:cNvPr id="1" name=""/>
+        <p:cNvGrpSpPr/>
+        <p:nvPr/>
+      </p:nvGrpSpPr>
+      <p:grpSpPr>
+        <a:xfrm>
+          <a:off x="0" y="0"/>
+          <a:ext cx="0" cy="0"/>
+          <a:chOff x="0" y="0"/>
+          <a:chExt cx="0" cy="0"/>
+        </a:xfrm>
+      </p:grpSpPr>
+      <p:sp>
+        <p:nvSpPr>
+          <p:cNvPr id="7" name="Rectangle 7"/>
+          <p:cNvSpPr>
+            <a:spLocks noGrp="1" noChangeArrowheads="1"/>
+          </p:cNvSpPr>
+          <p:nvPr>
+            <p:ph type="sldNum" sz="quarter" idx="5"/>
+          </p:nvPr>
+        </p:nvSpPr>
+        <p:spPr>
+          <a:ln/>
+        </p:spPr>
+        <p:txBody>
+          <a:bodyPr/>
+          <a:lstStyle/>
+          <a:p>
+            <a:fld id="{F4C6DCD8-C396-46AC-B79E-994881B71000}" type="slidenum">
+              <a:rPr lang="en-US"/>
+              <a:pPr/>
+              <a:t>7</a:t>
+            </a:fld>
+            <a:endParaRPr lang="en-US"/>
+          </a:p>
+        </p:txBody>
+      </p:sp>
+      <p:sp>
+        <p:nvSpPr>
+          <p:cNvPr id="419842" name="Rectangle 2"/>
+          <p:cNvSpPr>
+            <a:spLocks noGrp="1" noRot="1" noChangeAspect="1" noChangeArrowheads="1" noTextEdit="1"/>
+          </p:cNvSpPr>
+          <p:nvPr>
+            <p:ph type="sldImg"/>
+          </p:nvPr>
+        </p:nvSpPr>
+        <p:spPr>
+          <a:ln/>
+        </p:spPr>
+      </p:sp>
+      <p:sp>
+        <p:nvSpPr>
+          <p:cNvPr id="419843" name="Rectangle 3"/>
+          <p:cNvSpPr>
+            <a:spLocks noGrp="1" noChangeArrowheads="1"/>
+          </p:cNvSpPr>
+          <p:nvPr>
+            <p:ph type="body" idx="1"/>
+          </p:nvPr>
+        </p:nvSpPr>
+        <p:spPr/>
+        <p:txBody>
+          <a:bodyPr/>
+          <a:lstStyle/>
+          <a:p>
+            <a:endParaRPr lang="en-US" dirty="0"/>
+          </a:p>
+        </p:txBody>
+      </p:sp>
+    </p:spTree>
+    <p:extLst>
+      <p:ext uri="{BB962C8B-B14F-4D97-AF65-F5344CB8AC3E}">
+        <p14:creationId xmlns:p14="http://schemas.microsoft.com/office/powerpoint/2010/main" val="713018115"/>
       </p:ext>
     </p:extLst>
   </p:cSld>
@@ -4041,7 +4225,7 @@
 </file>
 
 <file path=ppt/slides/slide1.xml><?xml version="1.0" encoding="utf-8"?>
-<p:sld xmlns:a="http://schemas.openxmlformats.org/drawingml/2006/main" xmlns:r="http://schemas.openxmlformats.org/officeDocument/2006/relationships" xmlns:p="http://schemas.openxmlformats.org/presentationml/2006/main" showMasterSp="0">
+<p:sld xmlns:a="http://schemas.openxmlformats.org/drawingml/2006/main" xmlns:r="http://schemas.openxmlformats.org/officeDocument/2006/relationships" xmlns:p="http://schemas.openxmlformats.org/presentationml/2006/main">
   <p:cSld>
     <p:spTree>
       <p:nvGrpSpPr>
@@ -4059,9 +4243,9 @@
       </p:grpSpPr>
       <p:sp>
         <p:nvSpPr>
-          <p:cNvPr id="2052" name="Rectangle 4"/>
-          <p:cNvSpPr>
-            <a:spLocks noGrp="1" noChangeArrowheads="1"/>
+          <p:cNvPr id="2" name="Title 1"/>
+          <p:cNvSpPr>
+            <a:spLocks noGrp="1"/>
           </p:cNvSpPr>
           <p:nvPr>
             <p:ph type="ctrTitle"/>
@@ -4069,32 +4253,72 @@
         </p:nvSpPr>
         <p:spPr>
           <a:xfrm>
-            <a:off x="685800" y="1447800"/>
-            <a:ext cx="8001000" cy="1470025"/>
+            <a:off x="0" y="838200"/>
+            <a:ext cx="9144000" cy="1470025"/>
           </a:xfrm>
         </p:spPr>
         <p:txBody>
-          <a:bodyPr/>
+          <a:bodyPr rtlCol="0">
+            <a:noAutofit/>
+          </a:bodyPr>
           <a:lstStyle/>
           <a:p>
-            <a:r>
-              <a:rPr lang="en-US" dirty="0" smtClean="0"/>
+            <a:pPr eaLnBrk="1" fontAlgn="auto" hangingPunct="1">
+              <a:spcAft>
+                <a:spcPts val="0"/>
+              </a:spcAft>
+              <a:defRPr/>
+            </a:pPr>
+            <a:r>
+              <a:rPr lang="en-US" sz="5200" b="1" dirty="0" smtClean="0">
+                <a:effectLst>
+                  <a:outerShdw blurRad="50800" dist="38100" dir="2700000" algn="tl" rotWithShape="0">
+                    <a:prstClr val="black">
+                      <a:alpha val="40000"/>
+                    </a:prstClr>
+                  </a:outerShdw>
+                </a:effectLst>
+              </a:rPr>
               <a:t>Individual Growth</a:t>
             </a:r>
             <a:br>
-              <a:rPr lang="en-US" dirty="0" smtClean="0"/>
+              <a:rPr lang="en-US" sz="5200" b="1" dirty="0" smtClean="0">
+                <a:effectLst>
+                  <a:outerShdw blurRad="50800" dist="38100" dir="2700000" algn="tl" rotWithShape="0">
+                    <a:prstClr val="black">
+                      <a:alpha val="40000"/>
+                    </a:prstClr>
+                  </a:outerShdw>
+                </a:effectLst>
+              </a:rPr>
             </a:br>
             <a:r>
-              <a:rPr lang="en-US" dirty="0" smtClean="0"/>
-              <a:t>(Size-at-Age Modeling)</a:t>
-            </a:r>
-            <a:endParaRPr lang="en-US" dirty="0"/>
+              <a:rPr lang="en-US" sz="5200" b="1" dirty="0" smtClean="0">
+                <a:effectLst>
+                  <a:outerShdw blurRad="50800" dist="38100" dir="2700000" algn="tl" rotWithShape="0">
+                    <a:prstClr val="black">
+                      <a:alpha val="40000"/>
+                    </a:prstClr>
+                  </a:outerShdw>
+                </a:effectLst>
+              </a:rPr>
+              <a:t>(Size-at-Age Modeling</a:t>
+            </a:r>
+            <a:endParaRPr lang="en-US" sz="5200" b="1" dirty="0">
+              <a:effectLst>
+                <a:outerShdw blurRad="50800" dist="38100" dir="2700000" algn="tl" rotWithShape="0">
+                  <a:prstClr val="black">
+                    <a:alpha val="40000"/>
+                  </a:prstClr>
+                </a:outerShdw>
+              </a:effectLst>
+            </a:endParaRPr>
           </a:p>
         </p:txBody>
       </p:sp>
       <p:sp>
         <p:nvSpPr>
-          <p:cNvPr id="2" name="Subtitle 1"/>
+          <p:cNvPr id="3" name="Subtitle 2"/>
           <p:cNvSpPr>
             <a:spLocks noGrp="1"/>
           </p:cNvSpPr>
@@ -4102,22 +4326,321 @@
             <p:ph type="subTitle" idx="1"/>
           </p:nvPr>
         </p:nvSpPr>
-        <p:spPr/>
+        <p:spPr>
+          <a:xfrm>
+            <a:off x="381000" y="3352800"/>
+            <a:ext cx="8229600" cy="762000"/>
+          </a:xfrm>
+        </p:spPr>
         <p:txBody>
-          <a:bodyPr/>
+          <a:bodyPr rtlCol="0">
+            <a:normAutofit/>
+          </a:bodyPr>
           <a:lstStyle/>
           <a:p>
-            <a:r>
-              <a:rPr lang="en-US" dirty="0" smtClean="0"/>
-              <a:t>Von Bertalanffy Models</a:t>
-            </a:r>
+            <a:pPr eaLnBrk="1" fontAlgn="auto" hangingPunct="1">
+              <a:spcAft>
+                <a:spcPts val="0"/>
+              </a:spcAft>
+              <a:defRPr/>
+            </a:pPr>
+            <a:r>
+              <a:rPr lang="en-US" sz="3600" b="1" dirty="0">
+                <a:solidFill>
+                  <a:schemeClr val="accent6">
+                    <a:lumMod val="75000"/>
+                  </a:schemeClr>
+                </a:solidFill>
+              </a:rPr>
+              <a:t>Dr. Derek H. Ogle, Northland </a:t>
+            </a:r>
+            <a:r>
+              <a:rPr lang="en-US" sz="3600" b="1" dirty="0" smtClean="0">
+                <a:solidFill>
+                  <a:schemeClr val="accent6">
+                    <a:lumMod val="75000"/>
+                  </a:schemeClr>
+                </a:solidFill>
+              </a:rPr>
+              <a:t>College</a:t>
+            </a:r>
+            <a:endParaRPr lang="en-US" sz="3600" b="1" dirty="0">
+              <a:solidFill>
+                <a:schemeClr val="accent6">
+                  <a:lumMod val="75000"/>
+                </a:schemeClr>
+              </a:solidFill>
+            </a:endParaRPr>
+          </a:p>
+        </p:txBody>
+      </p:sp>
+      <p:sp>
+        <p:nvSpPr>
+          <p:cNvPr id="4" name="Subtitle 2"/>
+          <p:cNvSpPr txBox="1">
+            <a:spLocks/>
+          </p:cNvSpPr>
+          <p:nvPr/>
+        </p:nvSpPr>
+        <p:spPr bwMode="auto">
+          <a:xfrm>
+            <a:off x="76200" y="5105400"/>
+            <a:ext cx="8991600" cy="1219200"/>
+          </a:xfrm>
+          <a:prstGeom prst="rect">
+            <a:avLst/>
+          </a:prstGeom>
+          <a:noFill/>
+          <a:ln>
+            <a:noFill/>
+          </a:ln>
+          <a:extLst>
+            <a:ext uri="{909E8E84-426E-40DD-AFC4-6F175D3DCCD1}">
+              <a14:hiddenFill xmlns:a14="http://schemas.microsoft.com/office/drawing/2010/main">
+                <a:solidFill>
+                  <a:srgbClr val="FFFFFF"/>
+                </a:solidFill>
+              </a14:hiddenFill>
+            </a:ext>
+            <a:ext uri="{91240B29-F687-4F45-9708-019B960494DF}">
+              <a14:hiddenLine xmlns:a14="http://schemas.microsoft.com/office/drawing/2010/main" w="9525">
+                <a:solidFill>
+                  <a:srgbClr val="000000"/>
+                </a:solidFill>
+                <a:miter lim="800000"/>
+                <a:headEnd/>
+                <a:tailEnd/>
+              </a14:hiddenLine>
+            </a:ext>
+          </a:extLst>
+        </p:spPr>
+        <p:txBody>
+          <a:bodyPr>
+            <a:normAutofit/>
+          </a:bodyPr>
+          <a:lstStyle>
+            <a:lvl1pPr marL="0" indent="0" algn="ctr" rtl="0" fontAlgn="base">
+              <a:spcBef>
+                <a:spcPct val="20000"/>
+              </a:spcBef>
+              <a:spcAft>
+                <a:spcPct val="0"/>
+              </a:spcAft>
+              <a:buFont typeface="Arial" charset="0"/>
+              <a:buNone/>
+              <a:defRPr sz="3200" kern="1200">
+                <a:solidFill>
+                  <a:schemeClr val="tx1">
+                    <a:tint val="75000"/>
+                  </a:schemeClr>
+                </a:solidFill>
+                <a:latin typeface="+mn-lt"/>
+                <a:ea typeface="+mn-ea"/>
+                <a:cs typeface="+mn-cs"/>
+              </a:defRPr>
+            </a:lvl1pPr>
+            <a:lvl2pPr marL="457200" indent="0" algn="ctr" rtl="0" fontAlgn="base">
+              <a:spcBef>
+                <a:spcPct val="20000"/>
+              </a:spcBef>
+              <a:spcAft>
+                <a:spcPct val="0"/>
+              </a:spcAft>
+              <a:buFont typeface="Arial" charset="0"/>
+              <a:buNone/>
+              <a:defRPr sz="2800" kern="1200">
+                <a:solidFill>
+                  <a:schemeClr val="tx1">
+                    <a:tint val="75000"/>
+                  </a:schemeClr>
+                </a:solidFill>
+                <a:latin typeface="+mn-lt"/>
+                <a:ea typeface="+mn-ea"/>
+                <a:cs typeface="+mn-cs"/>
+              </a:defRPr>
+            </a:lvl2pPr>
+            <a:lvl3pPr marL="914400" indent="0" algn="ctr" rtl="0" fontAlgn="base">
+              <a:spcBef>
+                <a:spcPct val="20000"/>
+              </a:spcBef>
+              <a:spcAft>
+                <a:spcPct val="0"/>
+              </a:spcAft>
+              <a:buFont typeface="Arial" charset="0"/>
+              <a:buNone/>
+              <a:defRPr sz="2400" kern="1200">
+                <a:solidFill>
+                  <a:schemeClr val="tx1">
+                    <a:tint val="75000"/>
+                  </a:schemeClr>
+                </a:solidFill>
+                <a:latin typeface="+mn-lt"/>
+                <a:ea typeface="+mn-ea"/>
+                <a:cs typeface="+mn-cs"/>
+              </a:defRPr>
+            </a:lvl3pPr>
+            <a:lvl4pPr marL="1371600" indent="0" algn="ctr" rtl="0" fontAlgn="base">
+              <a:spcBef>
+                <a:spcPct val="20000"/>
+              </a:spcBef>
+              <a:spcAft>
+                <a:spcPct val="0"/>
+              </a:spcAft>
+              <a:buFont typeface="Arial" charset="0"/>
+              <a:buNone/>
+              <a:defRPr sz="2000" kern="1200">
+                <a:solidFill>
+                  <a:schemeClr val="tx1">
+                    <a:tint val="75000"/>
+                  </a:schemeClr>
+                </a:solidFill>
+                <a:latin typeface="+mn-lt"/>
+                <a:ea typeface="+mn-ea"/>
+                <a:cs typeface="+mn-cs"/>
+              </a:defRPr>
+            </a:lvl4pPr>
+            <a:lvl5pPr marL="1828800" indent="0" algn="ctr" rtl="0" fontAlgn="base">
+              <a:spcBef>
+                <a:spcPct val="20000"/>
+              </a:spcBef>
+              <a:spcAft>
+                <a:spcPct val="0"/>
+              </a:spcAft>
+              <a:buFont typeface="Arial" charset="0"/>
+              <a:buNone/>
+              <a:defRPr sz="2000" kern="1200">
+                <a:solidFill>
+                  <a:schemeClr val="tx1">
+                    <a:tint val="75000"/>
+                  </a:schemeClr>
+                </a:solidFill>
+                <a:latin typeface="+mn-lt"/>
+                <a:ea typeface="+mn-ea"/>
+                <a:cs typeface="+mn-cs"/>
+              </a:defRPr>
+            </a:lvl5pPr>
+            <a:lvl6pPr marL="2286000" indent="0" algn="ctr" defTabSz="914400" rtl="0" eaLnBrk="1" latinLnBrk="0" hangingPunct="1">
+              <a:spcBef>
+                <a:spcPct val="20000"/>
+              </a:spcBef>
+              <a:buFont typeface="Arial" pitchFamily="34" charset="0"/>
+              <a:buNone/>
+              <a:defRPr sz="2000" kern="1200">
+                <a:solidFill>
+                  <a:schemeClr val="tx1">
+                    <a:tint val="75000"/>
+                  </a:schemeClr>
+                </a:solidFill>
+                <a:latin typeface="+mn-lt"/>
+                <a:ea typeface="+mn-ea"/>
+                <a:cs typeface="+mn-cs"/>
+              </a:defRPr>
+            </a:lvl6pPr>
+            <a:lvl7pPr marL="2743200" indent="0" algn="ctr" defTabSz="914400" rtl="0" eaLnBrk="1" latinLnBrk="0" hangingPunct="1">
+              <a:spcBef>
+                <a:spcPct val="20000"/>
+              </a:spcBef>
+              <a:buFont typeface="Arial" pitchFamily="34" charset="0"/>
+              <a:buNone/>
+              <a:defRPr sz="2000" kern="1200">
+                <a:solidFill>
+                  <a:schemeClr val="tx1">
+                    <a:tint val="75000"/>
+                  </a:schemeClr>
+                </a:solidFill>
+                <a:latin typeface="+mn-lt"/>
+                <a:ea typeface="+mn-ea"/>
+                <a:cs typeface="+mn-cs"/>
+              </a:defRPr>
+            </a:lvl7pPr>
+            <a:lvl8pPr marL="3200400" indent="0" algn="ctr" defTabSz="914400" rtl="0" eaLnBrk="1" latinLnBrk="0" hangingPunct="1">
+              <a:spcBef>
+                <a:spcPct val="20000"/>
+              </a:spcBef>
+              <a:buFont typeface="Arial" pitchFamily="34" charset="0"/>
+              <a:buNone/>
+              <a:defRPr sz="2000" kern="1200">
+                <a:solidFill>
+                  <a:schemeClr val="tx1">
+                    <a:tint val="75000"/>
+                  </a:schemeClr>
+                </a:solidFill>
+                <a:latin typeface="+mn-lt"/>
+                <a:ea typeface="+mn-ea"/>
+                <a:cs typeface="+mn-cs"/>
+              </a:defRPr>
+            </a:lvl8pPr>
+            <a:lvl9pPr marL="3657600" indent="0" algn="ctr" defTabSz="914400" rtl="0" eaLnBrk="1" latinLnBrk="0" hangingPunct="1">
+              <a:spcBef>
+                <a:spcPct val="20000"/>
+              </a:spcBef>
+              <a:buFont typeface="Arial" pitchFamily="34" charset="0"/>
+              <a:buNone/>
+              <a:defRPr sz="2000" kern="1200">
+                <a:solidFill>
+                  <a:schemeClr val="tx1">
+                    <a:tint val="75000"/>
+                  </a:schemeClr>
+                </a:solidFill>
+                <a:latin typeface="+mn-lt"/>
+                <a:ea typeface="+mn-ea"/>
+                <a:cs typeface="+mn-cs"/>
+              </a:defRPr>
+            </a:lvl9pPr>
+          </a:lstStyle>
+          <a:p>
+            <a:pPr fontAlgn="auto">
+              <a:spcAft>
+                <a:spcPts val="0"/>
+              </a:spcAft>
+              <a:buFont typeface="Arial" pitchFamily="34" charset="0"/>
+              <a:buNone/>
+              <a:defRPr/>
+            </a:pPr>
+            <a:r>
+              <a:rPr lang="en-US" sz="3000" b="1" dirty="0" smtClean="0">
+                <a:solidFill>
+                  <a:schemeClr val="accent6">
+                    <a:lumMod val="75000"/>
+                  </a:schemeClr>
+                </a:solidFill>
+              </a:rPr>
+              <a:t>AFS, Kansas City</a:t>
+            </a:r>
+          </a:p>
+          <a:p>
+            <a:pPr fontAlgn="auto">
+              <a:spcAft>
+                <a:spcPts val="0"/>
+              </a:spcAft>
+              <a:buFont typeface="Arial" pitchFamily="34" charset="0"/>
+              <a:buNone/>
+              <a:defRPr/>
+            </a:pPr>
+            <a:r>
+              <a:rPr lang="en-US" sz="3000" b="1" dirty="0" smtClean="0">
+                <a:solidFill>
+                  <a:schemeClr val="accent6">
+                    <a:lumMod val="75000"/>
+                  </a:schemeClr>
+                </a:solidFill>
+              </a:rPr>
+              <a:t>20 August 2016</a:t>
+            </a:r>
+            <a:endParaRPr lang="en-US" sz="3000" b="1" dirty="0">
+              <a:solidFill>
+                <a:schemeClr val="accent6">
+                  <a:lumMod val="75000"/>
+                </a:schemeClr>
+              </a:solidFill>
+            </a:endParaRPr>
           </a:p>
         </p:txBody>
       </p:sp>
     </p:spTree>
     <p:extLst>
       <p:ext uri="{BB962C8B-B14F-4D97-AF65-F5344CB8AC3E}">
-        <p14:creationId xmlns:p14="http://schemas.microsoft.com/office/powerpoint/2010/main" val="89089878"/>
+        <p14:creationId xmlns:p14="http://schemas.microsoft.com/office/powerpoint/2010/main" val="1903555925"/>
       </p:ext>
     </p:extLst>
   </p:cSld>
@@ -4135,7 +4658,7 @@
 </file>
 
 <file path=ppt/slides/slide10.xml><?xml version="1.0" encoding="utf-8"?>
-<p:sld xmlns:a="http://schemas.openxmlformats.org/drawingml/2006/main" xmlns:r="http://schemas.openxmlformats.org/officeDocument/2006/relationships" xmlns:p="http://schemas.openxmlformats.org/presentationml/2006/main" showMasterSp="0" show="0">
+<p:sld xmlns:a="http://schemas.openxmlformats.org/drawingml/2006/main" xmlns:r="http://schemas.openxmlformats.org/officeDocument/2006/relationships" xmlns:p="http://schemas.openxmlformats.org/presentationml/2006/main">
   <p:cSld>
     <p:spTree>
       <p:nvGrpSpPr>
@@ -4153,281 +4676,46 @@
       </p:grpSpPr>
       <p:sp>
         <p:nvSpPr>
-          <p:cNvPr id="5" name="Footer Placeholder 3"/>
+          <p:cNvPr id="2" name="Title 1"/>
           <p:cNvSpPr>
             <a:spLocks noGrp="1"/>
           </p:cNvSpPr>
           <p:nvPr>
-            <p:ph type="ftr" sz="quarter" idx="10"/>
-          </p:nvPr>
-        </p:nvSpPr>
-        <p:spPr/>
-        <p:txBody>
-          <a:bodyPr/>
-          <a:lstStyle/>
-          <a:p>
-            <a:r>
-              <a:rPr lang="en-US" smtClean="0"/>
-              <a:t>Age &amp; Growth R  ●  Kansas City, MO ●  20 August 2016</a:t>
-            </a:r>
-            <a:endParaRPr lang="en-US"/>
-          </a:p>
-        </p:txBody>
-      </p:sp>
-      <p:sp>
-        <p:nvSpPr>
-          <p:cNvPr id="418818" name="Rectangle 2"/>
-          <p:cNvSpPr>
-            <a:spLocks noGrp="1" noChangeArrowheads="1"/>
-          </p:cNvSpPr>
-          <p:nvPr>
             <p:ph type="title"/>
-          </p:nvPr>
-        </p:nvSpPr>
-        <p:spPr/>
-        <p:txBody>
-          <a:bodyPr/>
-          <a:lstStyle/>
-          <a:p>
-            <a:r>
-              <a:rPr lang="en-US" dirty="0"/>
-              <a:t>Von Bertalanffy </a:t>
-            </a:r>
-            <a:r>
-              <a:rPr lang="en-US" dirty="0" smtClean="0"/>
-              <a:t>– Francis</a:t>
-            </a:r>
-            <a:endParaRPr lang="en-US" dirty="0"/>
-          </a:p>
-        </p:txBody>
-      </p:sp>
-      <p:sp>
-        <p:nvSpPr>
-          <p:cNvPr id="418819" name="Rectangle 3"/>
-          <p:cNvSpPr>
-            <a:spLocks noGrp="1" noChangeArrowheads="1"/>
-          </p:cNvSpPr>
-          <p:nvPr>
-            <p:ph type="body" idx="1"/>
           </p:nvPr>
         </p:nvSpPr>
         <p:spPr>
           <a:xfrm>
-            <a:off x="65088" y="1066800"/>
-            <a:ext cx="9078912" cy="5562600"/>
+            <a:off x="457200" y="0"/>
+            <a:ext cx="8229600" cy="1143000"/>
           </a:xfrm>
         </p:spPr>
         <p:txBody>
           <a:bodyPr/>
           <a:lstStyle/>
           <a:p>
-            <a:pPr>
-              <a:lnSpc>
-                <a:spcPct val="90000"/>
-              </a:lnSpc>
-            </a:pPr>
-            <a:r>
-              <a:rPr lang="en-US" dirty="0"/>
-              <a:t> </a:t>
-            </a:r>
             <a:r>
               <a:rPr lang="en-US" dirty="0" smtClean="0"/>
-              <a:t>A </a:t>
-            </a:r>
-            <a:r>
-              <a:rPr lang="en-US" dirty="0" err="1" smtClean="0"/>
-              <a:t>reparameterization</a:t>
-            </a:r>
-            <a:endParaRPr lang="en-US" dirty="0" smtClean="0"/>
-          </a:p>
-          <a:p>
-            <a:pPr>
-              <a:lnSpc>
-                <a:spcPct val="90000"/>
-              </a:lnSpc>
-            </a:pPr>
+              <a:t>Non-Linear Modeling</a:t>
+            </a:r>
             <a:endParaRPr lang="en-US" dirty="0"/>
           </a:p>
-          <a:p>
-            <a:pPr>
-              <a:lnSpc>
-                <a:spcPct val="90000"/>
-              </a:lnSpc>
-            </a:pPr>
-            <a:r>
-              <a:rPr lang="en-US" dirty="0" smtClean="0"/>
-              <a:t>Goals</a:t>
-            </a:r>
-          </a:p>
-          <a:p>
-            <a:pPr lvl="1">
-              <a:lnSpc>
-                <a:spcPct val="90000"/>
-              </a:lnSpc>
-            </a:pPr>
-            <a:r>
-              <a:rPr lang="en-US" dirty="0" smtClean="0"/>
-              <a:t>Better model fitting</a:t>
-            </a:r>
-          </a:p>
-          <a:p>
-            <a:pPr lvl="2">
-              <a:lnSpc>
-                <a:spcPct val="90000"/>
-              </a:lnSpc>
-            </a:pPr>
-            <a:r>
-              <a:rPr lang="en-US" dirty="0" smtClean="0"/>
-              <a:t>Reduce correlation among parameters &amp; scale difference</a:t>
-            </a:r>
-          </a:p>
-          <a:p>
-            <a:pPr lvl="1">
-              <a:lnSpc>
-                <a:spcPct val="90000"/>
-              </a:lnSpc>
-            </a:pPr>
-            <a:r>
-              <a:rPr lang="en-US" dirty="0" smtClean="0"/>
-              <a:t>Easier interpretation</a:t>
-            </a:r>
-          </a:p>
         </p:txBody>
       </p:sp>
-    </p:spTree>
-    <p:extLst>
-      <p:ext uri="{BB962C8B-B14F-4D97-AF65-F5344CB8AC3E}">
-        <p14:creationId xmlns:p14="http://schemas.microsoft.com/office/powerpoint/2010/main" val="3253704358"/>
-      </p:ext>
-    </p:extLst>
-  </p:cSld>
-  <p:clrMapOvr>
-    <a:masterClrMapping/>
-  </p:clrMapOvr>
-  <mc:AlternateContent xmlns:mc="http://schemas.openxmlformats.org/markup-compatibility/2006" xmlns:p14="http://schemas.microsoft.com/office/powerpoint/2010/main">
-    <mc:Choice Requires="p14">
-      <p:transition spd="slow" p14:dur="2000"/>
-    </mc:Choice>
-    <mc:Fallback xmlns="">
-      <p:transition spd="slow"/>
-    </mc:Fallback>
-  </mc:AlternateContent>
-  <p:timing>
-    <p:tnLst>
-      <p:par>
-        <p:cTn id="1" dur="indefinite" restart="never" nodeType="tmRoot">
-          <p:childTnLst>
-            <p:seq concurrent="1" nextAc="seek">
-              <p:cTn id="2" dur="indefinite" nodeType="mainSeq">
-                <p:childTnLst>
-                  <p:par>
-                    <p:cTn id="3" fill="hold">
-                      <p:stCondLst>
-                        <p:cond delay="indefinite"/>
-                      </p:stCondLst>
-                      <p:childTnLst>
-                        <p:par>
-                          <p:cTn id="4" fill="hold">
-                            <p:stCondLst>
-                              <p:cond delay="0"/>
-                            </p:stCondLst>
-                            <p:childTnLst>
-                              <p:par>
-                                <p:cTn id="5" presetID="1" presetClass="entr" presetSubtype="0" fill="hold" grpId="0" nodeType="clickEffect">
-                                  <p:stCondLst>
-                                    <p:cond delay="0"/>
-                                  </p:stCondLst>
-                                  <p:childTnLst>
-                                    <p:set>
-                                      <p:cBhvr>
-                                        <p:cTn id="6" dur="1" fill="hold">
-                                          <p:stCondLst>
-                                            <p:cond delay="0"/>
-                                          </p:stCondLst>
-                                        </p:cTn>
-                                        <p:tgtEl>
-                                          <p:spTgt spid="418819">
-                                            <p:txEl>
-                                              <p:pRg st="5" end="5"/>
-                                            </p:txEl>
-                                          </p:spTgt>
-                                        </p:tgtEl>
-                                        <p:attrNameLst>
-                                          <p:attrName>style.visibility</p:attrName>
-                                        </p:attrNameLst>
-                                      </p:cBhvr>
-                                      <p:to>
-                                        <p:strVal val="visible"/>
-                                      </p:to>
-                                    </p:set>
-                                  </p:childTnLst>
-                                </p:cTn>
-                              </p:par>
-                            </p:childTnLst>
-                          </p:cTn>
-                        </p:par>
-                      </p:childTnLst>
-                    </p:cTn>
-                  </p:par>
-                </p:childTnLst>
-              </p:cTn>
-              <p:prevCondLst>
-                <p:cond evt="onPrev" delay="0">
-                  <p:tgtEl>
-                    <p:sldTgt/>
-                  </p:tgtEl>
-                </p:cond>
-              </p:prevCondLst>
-              <p:nextCondLst>
-                <p:cond evt="onNext" delay="0">
-                  <p:tgtEl>
-                    <p:sldTgt/>
-                  </p:tgtEl>
-                </p:cond>
-              </p:nextCondLst>
-            </p:seq>
-          </p:childTnLst>
-        </p:cTn>
-      </p:par>
-    </p:tnLst>
-    <p:bldLst>
-      <p:bldP spid="418819" grpId="0" uiExpand="1" build="p"/>
-    </p:bldLst>
-  </p:timing>
-</p:sld>
-</file>
-
-<file path=ppt/slides/slide2.xml><?xml version="1.0" encoding="utf-8"?>
-<p:sld xmlns:a="http://schemas.openxmlformats.org/drawingml/2006/main" xmlns:r="http://schemas.openxmlformats.org/officeDocument/2006/relationships" xmlns:p="http://schemas.openxmlformats.org/presentationml/2006/main" showMasterSp="0">
-  <p:cSld>
-    <p:spTree>
-      <p:nvGrpSpPr>
-        <p:cNvPr id="1" name=""/>
-        <p:cNvGrpSpPr/>
-        <p:nvPr/>
-      </p:nvGrpSpPr>
-      <p:grpSpPr>
-        <a:xfrm>
-          <a:off x="0" y="0"/>
-          <a:ext cx="0" cy="0"/>
-          <a:chOff x="0" y="0"/>
-          <a:chExt cx="0" cy="0"/>
-        </a:xfrm>
-      </p:grpSpPr>
-      <p:sp>
-        <p:nvSpPr>
-          <p:cNvPr id="7" name="Footer Placeholder 3"/>
+      <p:sp>
+        <p:nvSpPr>
+          <p:cNvPr id="3" name="Content Placeholder 2"/>
           <p:cNvSpPr>
             <a:spLocks noGrp="1"/>
           </p:cNvSpPr>
           <p:nvPr>
-            <p:ph type="ftr" sz="quarter" idx="10"/>
+            <p:ph idx="1"/>
           </p:nvPr>
         </p:nvSpPr>
         <p:spPr>
           <a:xfrm>
-            <a:off x="0" y="6553200"/>
-            <a:ext cx="4648200" cy="304800"/>
+            <a:off x="0" y="1123951"/>
+            <a:ext cx="9144000" cy="5353049"/>
           </a:xfrm>
         </p:spPr>
         <p:txBody>
@@ -4436,20 +4724,106 @@
           <a:p>
             <a:r>
               <a:rPr lang="en-US" dirty="0" smtClean="0"/>
-              <a:t>Age &amp; Growth R  ●  Kansas City, MO ●  20 August 2016</a:t>
-            </a:r>
-            <a:endParaRPr lang="en-US" dirty="0"/>
+              <a:t>Sampling distributions of parameter estimates tend NOT to be normally distributed.</a:t>
+            </a:r>
+          </a:p>
+          <a:p>
+            <a:pPr lvl="1"/>
+            <a:endParaRPr lang="en-US" sz="2000" dirty="0"/>
+          </a:p>
+          <a:p>
+            <a:r>
+              <a:rPr lang="en-US" dirty="0" smtClean="0"/>
+              <a:t>Alternative CI #2 – Bootstrapping</a:t>
+            </a:r>
+          </a:p>
+          <a:p>
+            <a:pPr lvl="1"/>
+            <a:r>
+              <a:rPr lang="en-US" dirty="0"/>
+              <a:t>Construct a random sample (with replacement) of n </a:t>
+            </a:r>
+            <a:r>
+              <a:rPr lang="en-US" dirty="0" smtClean="0"/>
+              <a:t>“cases</a:t>
+            </a:r>
+            <a:r>
+              <a:rPr lang="en-US" dirty="0"/>
+              <a:t>" </a:t>
+            </a:r>
+            <a:r>
+              <a:rPr lang="en-US" dirty="0" smtClean="0"/>
+              <a:t>of observed data.</a:t>
+            </a:r>
+          </a:p>
+          <a:p>
+            <a:pPr lvl="1"/>
+            <a:r>
+              <a:rPr lang="en-US" dirty="0" smtClean="0"/>
+              <a:t>Extract </a:t>
+            </a:r>
+            <a:r>
+              <a:rPr lang="en-US" dirty="0"/>
+              <a:t>parameters from model </a:t>
+            </a:r>
+            <a:r>
+              <a:rPr lang="en-US" dirty="0" smtClean="0"/>
+              <a:t>fit </a:t>
+            </a:r>
+            <a:r>
+              <a:rPr lang="en-US" dirty="0"/>
+              <a:t>to this (</a:t>
+            </a:r>
+            <a:r>
+              <a:rPr lang="en-US" dirty="0" smtClean="0"/>
+              <a:t>re)sample.</a:t>
+            </a:r>
+          </a:p>
+          <a:p>
+            <a:pPr lvl="1"/>
+            <a:r>
+              <a:rPr lang="en-US" dirty="0" smtClean="0"/>
+              <a:t>Repeat first </a:t>
+            </a:r>
+            <a:r>
+              <a:rPr lang="en-US" dirty="0"/>
+              <a:t>two steps B </a:t>
+            </a:r>
+            <a:r>
+              <a:rPr lang="en-US" dirty="0" smtClean="0"/>
+              <a:t>times.</a:t>
+            </a:r>
+          </a:p>
+          <a:p>
+            <a:pPr lvl="1"/>
+            <a:r>
+              <a:rPr lang="en-US" dirty="0" smtClean="0"/>
+              <a:t>95</a:t>
+            </a:r>
+            <a:r>
+              <a:rPr lang="en-US" dirty="0"/>
+              <a:t>% CI is values of ordered parameter estimates with 2.5% of </a:t>
+            </a:r>
+            <a:r>
+              <a:rPr lang="en-US" dirty="0" smtClean="0"/>
+              <a:t>values lesser </a:t>
+            </a:r>
+            <a:r>
+              <a:rPr lang="en-US" dirty="0"/>
+              <a:t>and 2.5% of values greater.</a:t>
+            </a:r>
+            <a:endParaRPr lang="en-US" dirty="0" smtClean="0"/>
           </a:p>
         </p:txBody>
       </p:sp>
       <p:sp>
         <p:nvSpPr>
-          <p:cNvPr id="407554" name="Rectangle 2"/>
-          <p:cNvSpPr>
-            <a:spLocks noGrp="1" noChangeArrowheads="1"/>
-          </p:cNvSpPr>
-          <p:nvPr>
-            <p:ph type="title"/>
+          <p:cNvPr id="7" name="Footer Placeholder 6"/>
+          <p:cNvSpPr>
+            <a:spLocks noGrp="1"/>
+          </p:cNvSpPr>
+          <p:nvPr>
+            <p:ph type="ftr" sz="quarter" idx="10"/>
           </p:nvPr>
         </p:nvSpPr>
         <p:spPr/>
@@ -4458,356 +4832,19 @@
           <a:lstStyle/>
           <a:p>
             <a:r>
-              <a:rPr lang="en-US" dirty="0" smtClean="0"/>
-              <a:t>Length-At-Age </a:t>
-            </a:r>
-            <a:r>
-              <a:rPr lang="en-US" dirty="0"/>
-              <a:t>Data</a:t>
-            </a:r>
+              <a:rPr lang="en-US" smtClean="0"/>
+              <a:t>Age &amp; Growth R  ●  Kansas City, MO ●  20 August 2016</a:t>
+            </a:r>
+            <a:endParaRPr lang="en-US" dirty="0"/>
           </a:p>
         </p:txBody>
       </p:sp>
-      <p:sp>
-        <p:nvSpPr>
-          <p:cNvPr id="407555" name="Rectangle 3"/>
-          <p:cNvSpPr>
-            <a:spLocks noGrp="1" noChangeArrowheads="1"/>
-          </p:cNvSpPr>
-          <p:nvPr>
-            <p:ph type="body" idx="1"/>
-          </p:nvPr>
-        </p:nvSpPr>
-        <p:spPr>
-          <a:xfrm>
-            <a:off x="228600" y="990600"/>
-            <a:ext cx="2971800" cy="5791200"/>
-          </a:xfrm>
-        </p:spPr>
-        <p:txBody>
-          <a:bodyPr/>
-          <a:lstStyle/>
-          <a:p>
-            <a:pPr>
-              <a:lnSpc>
-                <a:spcPct val="80000"/>
-              </a:lnSpc>
-              <a:buFontTx/>
-              <a:buNone/>
-            </a:pPr>
-            <a:r>
-              <a:rPr lang="en-US" sz="1800" b="1" u="sng" dirty="0">
-                <a:latin typeface="Courier New" pitchFamily="49" charset="0"/>
-              </a:rPr>
-              <a:t>TL Age Species</a:t>
-            </a:r>
-          </a:p>
-          <a:p>
-            <a:pPr>
-              <a:lnSpc>
-                <a:spcPct val="80000"/>
-              </a:lnSpc>
-              <a:buFontTx/>
-              <a:buNone/>
-            </a:pPr>
-            <a:r>
-              <a:rPr lang="en-US" sz="1800" dirty="0">
-                <a:latin typeface="Courier New" pitchFamily="49" charset="0"/>
-              </a:rPr>
-              <a:t>24   6 Rainbow</a:t>
-            </a:r>
-          </a:p>
-          <a:p>
-            <a:pPr>
-              <a:lnSpc>
-                <a:spcPct val="80000"/>
-              </a:lnSpc>
-              <a:buFontTx/>
-              <a:buNone/>
-            </a:pPr>
-            <a:r>
-              <a:rPr lang="en-US" sz="1800" dirty="0">
-                <a:latin typeface="Courier New" pitchFamily="49" charset="0"/>
-              </a:rPr>
-              <a:t>26   8 Rainbow</a:t>
-            </a:r>
-          </a:p>
-          <a:p>
-            <a:pPr>
-              <a:lnSpc>
-                <a:spcPct val="80000"/>
-              </a:lnSpc>
-              <a:buFontTx/>
-              <a:buNone/>
-            </a:pPr>
-            <a:r>
-              <a:rPr lang="en-US" sz="1800" dirty="0">
-                <a:latin typeface="Courier New" pitchFamily="49" charset="0"/>
-              </a:rPr>
-              <a:t>23   5 Rainbow</a:t>
-            </a:r>
-          </a:p>
-          <a:p>
-            <a:pPr>
-              <a:lnSpc>
-                <a:spcPct val="80000"/>
-              </a:lnSpc>
-              <a:buFontTx/>
-              <a:buNone/>
-            </a:pPr>
-            <a:r>
-              <a:rPr lang="en-US" sz="1800" dirty="0">
-                <a:latin typeface="Courier New" pitchFamily="49" charset="0"/>
-              </a:rPr>
-              <a:t>25   5 Rainbow</a:t>
-            </a:r>
-          </a:p>
-          <a:p>
-            <a:pPr>
-              <a:lnSpc>
-                <a:spcPct val="80000"/>
-              </a:lnSpc>
-              <a:buFontTx/>
-              <a:buNone/>
-            </a:pPr>
-            <a:r>
-              <a:rPr lang="en-US" sz="1800" dirty="0">
-                <a:latin typeface="Courier New" pitchFamily="49" charset="0"/>
-              </a:rPr>
-              <a:t>24   4 Rainbow</a:t>
-            </a:r>
-          </a:p>
-          <a:p>
-            <a:pPr>
-              <a:lnSpc>
-                <a:spcPct val="80000"/>
-              </a:lnSpc>
-              <a:buFontTx/>
-              <a:buNone/>
-            </a:pPr>
-            <a:r>
-              <a:rPr lang="en-US" sz="1800" dirty="0">
-                <a:latin typeface="Courier New" pitchFamily="49" charset="0"/>
-              </a:rPr>
-              <a:t>24   5 Rainbow</a:t>
-            </a:r>
-          </a:p>
-          <a:p>
-            <a:pPr>
-              <a:lnSpc>
-                <a:spcPct val="80000"/>
-              </a:lnSpc>
-              <a:buFontTx/>
-              <a:buNone/>
-            </a:pPr>
-            <a:r>
-              <a:rPr lang="en-US" sz="1800" dirty="0">
-                <a:latin typeface="Courier New" pitchFamily="49" charset="0"/>
-              </a:rPr>
-              <a:t>23   4 Rainbow</a:t>
-            </a:r>
-          </a:p>
-          <a:p>
-            <a:pPr>
-              <a:lnSpc>
-                <a:spcPct val="80000"/>
-              </a:lnSpc>
-              <a:buFontTx/>
-              <a:buNone/>
-            </a:pPr>
-            <a:r>
-              <a:rPr lang="en-US" sz="1800" dirty="0">
-                <a:latin typeface="Courier New" pitchFamily="49" charset="0"/>
-              </a:rPr>
-              <a:t>25   5 Rainbow</a:t>
-            </a:r>
-          </a:p>
-          <a:p>
-            <a:pPr>
-              <a:lnSpc>
-                <a:spcPct val="80000"/>
-              </a:lnSpc>
-              <a:buFontTx/>
-              <a:buNone/>
-            </a:pPr>
-            <a:r>
-              <a:rPr lang="en-US" sz="1800" dirty="0">
-                <a:latin typeface="Courier New" pitchFamily="49" charset="0"/>
-              </a:rPr>
-              <a:t>20   4 Rainbow</a:t>
-            </a:r>
-          </a:p>
-          <a:p>
-            <a:pPr>
-              <a:lnSpc>
-                <a:spcPct val="80000"/>
-              </a:lnSpc>
-              <a:buFontTx/>
-              <a:buNone/>
-            </a:pPr>
-            <a:r>
-              <a:rPr lang="en-US" sz="1800" dirty="0">
-                <a:latin typeface="Courier New" pitchFamily="49" charset="0"/>
-              </a:rPr>
-              <a:t>23   4 Rainbow</a:t>
-            </a:r>
-          </a:p>
-          <a:p>
-            <a:pPr>
-              <a:lnSpc>
-                <a:spcPct val="80000"/>
-              </a:lnSpc>
-              <a:buFontTx/>
-              <a:buNone/>
-            </a:pPr>
-            <a:r>
-              <a:rPr lang="en-US" sz="1800" dirty="0">
-                <a:latin typeface="Courier New" pitchFamily="49" charset="0"/>
-              </a:rPr>
-              <a:t>26   6 Rainbow</a:t>
-            </a:r>
-          </a:p>
-          <a:p>
-            <a:pPr>
-              <a:lnSpc>
-                <a:spcPct val="80000"/>
-              </a:lnSpc>
-              <a:buFontTx/>
-              <a:buNone/>
-            </a:pPr>
-            <a:r>
-              <a:rPr lang="en-US" sz="1800" dirty="0">
-                <a:latin typeface="Courier New" pitchFamily="49" charset="0"/>
-              </a:rPr>
-              <a:t>29  10 Rainbow</a:t>
-            </a:r>
-          </a:p>
-          <a:p>
-            <a:pPr>
-              <a:lnSpc>
-                <a:spcPct val="80000"/>
-              </a:lnSpc>
-              <a:buFontTx/>
-              <a:buNone/>
-            </a:pPr>
-            <a:r>
-              <a:rPr lang="en-US" sz="1800" dirty="0">
-                <a:latin typeface="Courier New" pitchFamily="49" charset="0"/>
-              </a:rPr>
-              <a:t>20   4 Rainbow</a:t>
-            </a:r>
-          </a:p>
-          <a:p>
-            <a:pPr>
-              <a:lnSpc>
-                <a:spcPct val="80000"/>
-              </a:lnSpc>
-              <a:buFontTx/>
-              <a:buNone/>
-            </a:pPr>
-            <a:r>
-              <a:rPr lang="en-US" sz="1800" dirty="0">
-                <a:latin typeface="Courier New" pitchFamily="49" charset="0"/>
-              </a:rPr>
-              <a:t>29   8 Rainbow</a:t>
-            </a:r>
-          </a:p>
-          <a:p>
-            <a:pPr>
-              <a:lnSpc>
-                <a:spcPct val="80000"/>
-              </a:lnSpc>
-              <a:buFontTx/>
-              <a:buNone/>
-            </a:pPr>
-            <a:r>
-              <a:rPr lang="en-US" sz="1800" dirty="0">
-                <a:latin typeface="Courier New" pitchFamily="49" charset="0"/>
-              </a:rPr>
-              <a:t>24   6 Rainbow</a:t>
-            </a:r>
-          </a:p>
-          <a:p>
-            <a:pPr>
-              <a:lnSpc>
-                <a:spcPct val="80000"/>
-              </a:lnSpc>
-              <a:buFontTx/>
-              <a:buNone/>
-            </a:pPr>
-            <a:r>
-              <a:rPr lang="en-US" sz="1800" dirty="0">
-                <a:latin typeface="Courier New" pitchFamily="49" charset="0"/>
-              </a:rPr>
-              <a:t>26   6 Rainbow</a:t>
-            </a:r>
-          </a:p>
-          <a:p>
-            <a:pPr>
-              <a:lnSpc>
-                <a:spcPct val="80000"/>
-              </a:lnSpc>
-              <a:buFontTx/>
-              <a:buNone/>
-            </a:pPr>
-            <a:r>
-              <a:rPr lang="en-US" sz="1800" dirty="0">
-                <a:latin typeface="Courier New" pitchFamily="49" charset="0"/>
-              </a:rPr>
-              <a:t>23   5 Rainbow</a:t>
-            </a:r>
-          </a:p>
-          <a:p>
-            <a:pPr>
-              <a:lnSpc>
-                <a:spcPct val="80000"/>
-              </a:lnSpc>
-              <a:buFontTx/>
-              <a:buNone/>
-            </a:pPr>
-            <a:r>
-              <a:rPr lang="en-US" sz="1800" dirty="0">
-                <a:latin typeface="Courier New" pitchFamily="49" charset="0"/>
-              </a:rPr>
-              <a:t>24   4 </a:t>
-            </a:r>
-            <a:r>
-              <a:rPr lang="en-US" sz="1800" dirty="0" smtClean="0">
-                <a:latin typeface="Courier New" pitchFamily="49" charset="0"/>
-              </a:rPr>
-              <a:t>Rainbow</a:t>
-            </a:r>
-            <a:endParaRPr lang="en-US" sz="1800" dirty="0">
-              <a:latin typeface="Courier New" pitchFamily="49" charset="0"/>
-            </a:endParaRPr>
-          </a:p>
-        </p:txBody>
-      </p:sp>
-      <p:pic>
-        <p:nvPicPr>
-          <p:cNvPr id="6" name="Picture 5"/>
-          <p:cNvPicPr>
-            <a:picLocks noChangeAspect="1"/>
-          </p:cNvPicPr>
-          <p:nvPr/>
-        </p:nvPicPr>
-        <p:blipFill>
-          <a:blip r:embed="rId3"/>
-          <a:stretch>
-            <a:fillRect/>
-          </a:stretch>
-        </p:blipFill>
-        <p:spPr>
-          <a:xfrm>
-            <a:off x="3429000" y="1219200"/>
-            <a:ext cx="5048250" cy="5048250"/>
-          </a:xfrm>
-          <a:prstGeom prst="rect">
-            <a:avLst/>
-          </a:prstGeom>
-        </p:spPr>
-      </p:pic>
     </p:spTree>
+    <p:extLst>
+      <p:ext uri="{BB962C8B-B14F-4D97-AF65-F5344CB8AC3E}">
+        <p14:creationId xmlns:p14="http://schemas.microsoft.com/office/powerpoint/2010/main" val="1172602811"/>
+      </p:ext>
+    </p:extLst>
   </p:cSld>
   <p:clrMapOvr>
     <a:masterClrMapping/>
@@ -4846,7 +4883,158 @@
                                           </p:stCondLst>
                                         </p:cTn>
                                         <p:tgtEl>
-                                          <p:spTgt spid="6"/>
+                                          <p:spTgt spid="3">
+                                            <p:txEl>
+                                              <p:pRg st="3" end="3"/>
+                                            </p:txEl>
+                                          </p:spTgt>
+                                        </p:tgtEl>
+                                        <p:attrNameLst>
+                                          <p:attrName>style.visibility</p:attrName>
+                                        </p:attrNameLst>
+                                      </p:cBhvr>
+                                      <p:to>
+                                        <p:strVal val="visible"/>
+                                      </p:to>
+                                    </p:set>
+                                  </p:childTnLst>
+                                </p:cTn>
+                              </p:par>
+                            </p:childTnLst>
+                          </p:cTn>
+                        </p:par>
+                      </p:childTnLst>
+                    </p:cTn>
+                  </p:par>
+                  <p:par>
+                    <p:cTn id="7" fill="hold">
+                      <p:stCondLst>
+                        <p:cond delay="indefinite"/>
+                      </p:stCondLst>
+                      <p:childTnLst>
+                        <p:par>
+                          <p:cTn id="8" fill="hold">
+                            <p:stCondLst>
+                              <p:cond delay="0"/>
+                            </p:stCondLst>
+                            <p:childTnLst>
+                              <p:par>
+                                <p:cTn id="9" presetID="1" presetClass="entr" presetSubtype="0" fill="hold" nodeType="clickEffect">
+                                  <p:stCondLst>
+                                    <p:cond delay="0"/>
+                                  </p:stCondLst>
+                                  <p:childTnLst>
+                                    <p:set>
+                                      <p:cBhvr>
+                                        <p:cTn id="10" dur="1" fill="hold">
+                                          <p:stCondLst>
+                                            <p:cond delay="0"/>
+                                          </p:stCondLst>
+                                        </p:cTn>
+                                        <p:tgtEl>
+                                          <p:spTgt spid="3">
+                                            <p:txEl>
+                                              <p:pRg st="4" end="4"/>
+                                            </p:txEl>
+                                          </p:spTgt>
+                                        </p:tgtEl>
+                                        <p:attrNameLst>
+                                          <p:attrName>style.visibility</p:attrName>
+                                        </p:attrNameLst>
+                                      </p:cBhvr>
+                                      <p:to>
+                                        <p:strVal val="visible"/>
+                                      </p:to>
+                                    </p:set>
+                                  </p:childTnLst>
+                                </p:cTn>
+                              </p:par>
+                            </p:childTnLst>
+                          </p:cTn>
+                        </p:par>
+                      </p:childTnLst>
+                    </p:cTn>
+                  </p:par>
+                  <p:par>
+                    <p:cTn id="11" fill="hold">
+                      <p:stCondLst>
+                        <p:cond delay="indefinite"/>
+                      </p:stCondLst>
+                      <p:childTnLst>
+                        <p:par>
+                          <p:cTn id="12" fill="hold">
+                            <p:stCondLst>
+                              <p:cond delay="0"/>
+                            </p:stCondLst>
+                            <p:childTnLst>
+                              <p:par>
+                                <p:cTn id="13" presetID="1" presetClass="entr" presetSubtype="0" fill="hold" nodeType="clickEffect">
+                                  <p:stCondLst>
+                                    <p:cond delay="0"/>
+                                  </p:stCondLst>
+                                  <p:childTnLst>
+                                    <p:set>
+                                      <p:cBhvr>
+                                        <p:cTn id="14" dur="1" fill="hold">
+                                          <p:stCondLst>
+                                            <p:cond delay="0"/>
+                                          </p:stCondLst>
+                                        </p:cTn>
+                                        <p:tgtEl>
+                                          <p:spTgt spid="3">
+                                            <p:txEl>
+                                              <p:pRg st="5" end="5"/>
+                                            </p:txEl>
+                                          </p:spTgt>
+                                        </p:tgtEl>
+                                        <p:attrNameLst>
+                                          <p:attrName>style.visibility</p:attrName>
+                                        </p:attrNameLst>
+                                      </p:cBhvr>
+                                      <p:to>
+                                        <p:strVal val="visible"/>
+                                      </p:to>
+                                    </p:set>
+                                  </p:childTnLst>
+                                </p:cTn>
+                              </p:par>
+                            </p:childTnLst>
+                          </p:cTn>
+                        </p:par>
+                      </p:childTnLst>
+                    </p:cTn>
+                  </p:par>
+                  <p:par>
+                    <p:cTn id="15" fill="hold">
+                      <p:stCondLst>
+                        <p:cond delay="indefinite"/>
+                      </p:stCondLst>
+                      <p:childTnLst>
+                        <p:par>
+                          <p:cTn id="16" fill="hold">
+                            <p:stCondLst>
+                              <p:cond delay="0"/>
+                            </p:stCondLst>
+                            <p:childTnLst>
+                              <p:par>
+                                <p:cTn id="17" presetID="1" presetClass="entr" presetSubtype="0" fill="hold" nodeType="clickEffect">
+                                  <p:stCondLst>
+                                    <p:cond delay="0"/>
+                                  </p:stCondLst>
+                                  <p:childTnLst>
+                                    <p:set>
+                                      <p:cBhvr>
+                                        <p:cTn id="18" dur="1" fill="hold">
+                                          <p:stCondLst>
+                                            <p:cond delay="0"/>
+                                          </p:stCondLst>
+                                        </p:cTn>
+                                        <p:tgtEl>
+                                          <p:spTgt spid="3">
+                                            <p:txEl>
+                                              <p:pRg st="6" end="6"/>
+                                            </p:txEl>
+                                          </p:spTgt>
                                         </p:tgtEl>
                                         <p:attrNameLst>
                                           <p:attrName>style.visibility</p:attrName>
@@ -4890,978 +5078,7 @@
 </p:sld>
 </file>
 
-<file path=ppt/slides/slide3.xml><?xml version="1.0" encoding="utf-8"?>
-<p:sld xmlns:a="http://schemas.openxmlformats.org/drawingml/2006/main" xmlns:r="http://schemas.openxmlformats.org/officeDocument/2006/relationships" xmlns:p="http://schemas.openxmlformats.org/presentationml/2006/main" showMasterSp="0">
-  <p:cSld>
-    <p:spTree>
-      <p:nvGrpSpPr>
-        <p:cNvPr id="1" name=""/>
-        <p:cNvGrpSpPr/>
-        <p:nvPr/>
-      </p:nvGrpSpPr>
-      <p:grpSpPr>
-        <a:xfrm>
-          <a:off x="0" y="0"/>
-          <a:ext cx="0" cy="0"/>
-          <a:chOff x="0" y="0"/>
-          <a:chExt cx="0" cy="0"/>
-        </a:xfrm>
-      </p:grpSpPr>
-      <p:sp>
-        <p:nvSpPr>
-          <p:cNvPr id="4" name="Footer Placeholder 3"/>
-          <p:cNvSpPr>
-            <a:spLocks noGrp="1"/>
-          </p:cNvSpPr>
-          <p:nvPr>
-            <p:ph type="ftr" sz="quarter" idx="10"/>
-          </p:nvPr>
-        </p:nvSpPr>
-        <p:spPr>
-          <a:xfrm>
-            <a:off x="0" y="6553200"/>
-            <a:ext cx="4648200" cy="304800"/>
-          </a:xfrm>
-        </p:spPr>
-        <p:txBody>
-          <a:bodyPr/>
-          <a:lstStyle/>
-          <a:p>
-            <a:r>
-              <a:rPr lang="en-US" dirty="0" smtClean="0"/>
-              <a:t>Age &amp; Growth R  ●  Kansas City, MO ●  20 August 2016</a:t>
-            </a:r>
-            <a:endParaRPr lang="en-US" dirty="0"/>
-          </a:p>
-        </p:txBody>
-      </p:sp>
-      <p:sp>
-        <p:nvSpPr>
-          <p:cNvPr id="409602" name="Rectangle 2"/>
-          <p:cNvSpPr>
-            <a:spLocks noGrp="1" noChangeArrowheads="1"/>
-          </p:cNvSpPr>
-          <p:nvPr>
-            <p:ph type="title"/>
-          </p:nvPr>
-        </p:nvSpPr>
-        <p:spPr/>
-        <p:txBody>
-          <a:bodyPr/>
-          <a:lstStyle/>
-          <a:p>
-            <a:r>
-              <a:rPr lang="en-US" dirty="0" smtClean="0"/>
-              <a:t>Length-At-Age </a:t>
-            </a:r>
-            <a:r>
-              <a:rPr lang="en-US" dirty="0"/>
-              <a:t>Models</a:t>
-            </a:r>
-          </a:p>
-        </p:txBody>
-      </p:sp>
-      <p:sp>
-        <p:nvSpPr>
-          <p:cNvPr id="409603" name="Rectangle 3"/>
-          <p:cNvSpPr>
-            <a:spLocks noGrp="1" noChangeArrowheads="1"/>
-          </p:cNvSpPr>
-          <p:nvPr>
-            <p:ph type="body" idx="1"/>
-          </p:nvPr>
-        </p:nvSpPr>
-        <p:spPr>
-          <a:xfrm>
-            <a:off x="304800" y="1143000"/>
-            <a:ext cx="8763000" cy="5562600"/>
-          </a:xfrm>
-        </p:spPr>
-        <p:txBody>
-          <a:bodyPr/>
-          <a:lstStyle/>
-          <a:p>
-            <a:r>
-              <a:rPr lang="en-US" b="1" dirty="0"/>
-              <a:t>Purposes</a:t>
-            </a:r>
-          </a:p>
-          <a:p>
-            <a:pPr lvl="1"/>
-            <a:r>
-              <a:rPr lang="en-US" dirty="0"/>
-              <a:t>Summarize growth with a few parameters.</a:t>
-            </a:r>
-          </a:p>
-          <a:p>
-            <a:pPr lvl="1"/>
-            <a:r>
-              <a:rPr lang="en-US" dirty="0" smtClean="0"/>
-              <a:t>Compare growth </a:t>
-            </a:r>
-            <a:r>
-              <a:rPr lang="en-US" dirty="0"/>
-              <a:t>parameters </a:t>
-            </a:r>
-            <a:r>
-              <a:rPr lang="en-US" dirty="0" smtClean="0"/>
-              <a:t>among </a:t>
-            </a:r>
-            <a:r>
-              <a:rPr lang="en-US" dirty="0"/>
-              <a:t>populations.</a:t>
-            </a:r>
-          </a:p>
-          <a:p>
-            <a:pPr lvl="1"/>
-            <a:r>
-              <a:rPr lang="en-US" dirty="0" smtClean="0"/>
-              <a:t>Used in </a:t>
-            </a:r>
-            <a:r>
-              <a:rPr lang="en-US" dirty="0"/>
-              <a:t>key fisheries </a:t>
-            </a:r>
-            <a:r>
-              <a:rPr lang="en-US" dirty="0" smtClean="0"/>
-              <a:t>models, </a:t>
-            </a:r>
-            <a:r>
-              <a:rPr lang="en-US" dirty="0"/>
-              <a:t>such as </a:t>
-            </a:r>
-            <a:r>
-              <a:rPr lang="en-US" dirty="0" err="1"/>
-              <a:t>Beverton</a:t>
-            </a:r>
-            <a:r>
-              <a:rPr lang="en-US" dirty="0"/>
-              <a:t>-Holt yield models.</a:t>
-            </a:r>
-          </a:p>
-          <a:p>
-            <a:pPr lvl="1"/>
-            <a:endParaRPr lang="en-US" sz="1400" dirty="0"/>
-          </a:p>
-          <a:p>
-            <a:r>
-              <a:rPr lang="en-US" b="1" dirty="0"/>
-              <a:t>Main models</a:t>
-            </a:r>
-          </a:p>
-          <a:p>
-            <a:pPr lvl="1"/>
-            <a:r>
-              <a:rPr lang="en-US" dirty="0"/>
-              <a:t>Von </a:t>
-            </a:r>
-            <a:r>
-              <a:rPr lang="en-US" dirty="0" err="1"/>
-              <a:t>Bertalanffy</a:t>
-            </a:r>
-            <a:endParaRPr lang="en-US" dirty="0"/>
-          </a:p>
-          <a:p>
-            <a:pPr lvl="1"/>
-            <a:r>
-              <a:rPr lang="en-US" dirty="0" err="1"/>
-              <a:t>Gompertz</a:t>
-            </a:r>
-            <a:endParaRPr lang="en-US" dirty="0"/>
-          </a:p>
-          <a:p>
-            <a:pPr lvl="1"/>
-            <a:r>
-              <a:rPr lang="en-US" dirty="0" err="1"/>
-              <a:t>Schnute</a:t>
-            </a:r>
-            <a:endParaRPr lang="en-US" dirty="0"/>
-          </a:p>
-        </p:txBody>
-      </p:sp>
-    </p:spTree>
-  </p:cSld>
-  <p:clrMapOvr>
-    <a:masterClrMapping/>
-  </p:clrMapOvr>
-  <p:timing>
-    <p:tnLst>
-      <p:par>
-        <p:cTn id="1" dur="indefinite" restart="never" nodeType="tmRoot">
-          <p:childTnLst>
-            <p:seq concurrent="1" nextAc="seek">
-              <p:cTn id="2" dur="indefinite" nodeType="mainSeq">
-                <p:childTnLst>
-                  <p:par>
-                    <p:cTn id="3" fill="hold">
-                      <p:stCondLst>
-                        <p:cond delay="indefinite"/>
-                      </p:stCondLst>
-                      <p:childTnLst>
-                        <p:par>
-                          <p:cTn id="4" fill="hold">
-                            <p:stCondLst>
-                              <p:cond delay="0"/>
-                            </p:stCondLst>
-                            <p:childTnLst>
-                              <p:par>
-                                <p:cTn id="5" presetID="1" presetClass="entr" presetSubtype="0" fill="hold" grpId="0" nodeType="clickEffect">
-                                  <p:stCondLst>
-                                    <p:cond delay="0"/>
-                                  </p:stCondLst>
-                                  <p:childTnLst>
-                                    <p:set>
-                                      <p:cBhvr>
-                                        <p:cTn id="6" dur="1" fill="hold">
-                                          <p:stCondLst>
-                                            <p:cond delay="0"/>
-                                          </p:stCondLst>
-                                        </p:cTn>
-                                        <p:tgtEl>
-                                          <p:spTgt spid="409603">
-                                            <p:txEl>
-                                              <p:pRg st="5" end="5"/>
-                                            </p:txEl>
-                                          </p:spTgt>
-                                        </p:tgtEl>
-                                        <p:attrNameLst>
-                                          <p:attrName>style.visibility</p:attrName>
-                                        </p:attrNameLst>
-                                      </p:cBhvr>
-                                      <p:to>
-                                        <p:strVal val="visible"/>
-                                      </p:to>
-                                    </p:set>
-                                  </p:childTnLst>
-                                </p:cTn>
-                              </p:par>
-                              <p:par>
-                                <p:cTn id="7" presetID="1" presetClass="entr" presetSubtype="0" fill="hold" grpId="0" nodeType="withEffect">
-                                  <p:stCondLst>
-                                    <p:cond delay="0"/>
-                                  </p:stCondLst>
-                                  <p:childTnLst>
-                                    <p:set>
-                                      <p:cBhvr>
-                                        <p:cTn id="8" dur="1" fill="hold">
-                                          <p:stCondLst>
-                                            <p:cond delay="0"/>
-                                          </p:stCondLst>
-                                        </p:cTn>
-                                        <p:tgtEl>
-                                          <p:spTgt spid="409603">
-                                            <p:txEl>
-                                              <p:pRg st="6" end="6"/>
-                                            </p:txEl>
-                                          </p:spTgt>
-                                        </p:tgtEl>
-                                        <p:attrNameLst>
-                                          <p:attrName>style.visibility</p:attrName>
-                                        </p:attrNameLst>
-                                      </p:cBhvr>
-                                      <p:to>
-                                        <p:strVal val="visible"/>
-                                      </p:to>
-                                    </p:set>
-                                  </p:childTnLst>
-                                </p:cTn>
-                              </p:par>
-                              <p:par>
-                                <p:cTn id="9" presetID="1" presetClass="entr" presetSubtype="0" fill="hold" grpId="0" nodeType="withEffect">
-                                  <p:stCondLst>
-                                    <p:cond delay="0"/>
-                                  </p:stCondLst>
-                                  <p:childTnLst>
-                                    <p:set>
-                                      <p:cBhvr>
-                                        <p:cTn id="10" dur="1" fill="hold">
-                                          <p:stCondLst>
-                                            <p:cond delay="0"/>
-                                          </p:stCondLst>
-                                        </p:cTn>
-                                        <p:tgtEl>
-                                          <p:spTgt spid="409603">
-                                            <p:txEl>
-                                              <p:pRg st="7" end="7"/>
-                                            </p:txEl>
-                                          </p:spTgt>
-                                        </p:tgtEl>
-                                        <p:attrNameLst>
-                                          <p:attrName>style.visibility</p:attrName>
-                                        </p:attrNameLst>
-                                      </p:cBhvr>
-                                      <p:to>
-                                        <p:strVal val="visible"/>
-                                      </p:to>
-                                    </p:set>
-                                  </p:childTnLst>
-                                </p:cTn>
-                              </p:par>
-                              <p:par>
-                                <p:cTn id="11" presetID="1" presetClass="entr" presetSubtype="0" fill="hold" grpId="0" nodeType="withEffect">
-                                  <p:stCondLst>
-                                    <p:cond delay="0"/>
-                                  </p:stCondLst>
-                                  <p:childTnLst>
-                                    <p:set>
-                                      <p:cBhvr>
-                                        <p:cTn id="12" dur="1" fill="hold">
-                                          <p:stCondLst>
-                                            <p:cond delay="0"/>
-                                          </p:stCondLst>
-                                        </p:cTn>
-                                        <p:tgtEl>
-                                          <p:spTgt spid="409603">
-                                            <p:txEl>
-                                              <p:pRg st="8" end="8"/>
-                                            </p:txEl>
-                                          </p:spTgt>
-                                        </p:tgtEl>
-                                        <p:attrNameLst>
-                                          <p:attrName>style.visibility</p:attrName>
-                                        </p:attrNameLst>
-                                      </p:cBhvr>
-                                      <p:to>
-                                        <p:strVal val="visible"/>
-                                      </p:to>
-                                    </p:set>
-                                  </p:childTnLst>
-                                </p:cTn>
-                              </p:par>
-                            </p:childTnLst>
-                          </p:cTn>
-                        </p:par>
-                      </p:childTnLst>
-                    </p:cTn>
-                  </p:par>
-                </p:childTnLst>
-              </p:cTn>
-              <p:prevCondLst>
-                <p:cond evt="onPrev" delay="0">
-                  <p:tgtEl>
-                    <p:sldTgt/>
-                  </p:tgtEl>
-                </p:cond>
-              </p:prevCondLst>
-              <p:nextCondLst>
-                <p:cond evt="onNext" delay="0">
-                  <p:tgtEl>
-                    <p:sldTgt/>
-                  </p:tgtEl>
-                </p:cond>
-              </p:nextCondLst>
-            </p:seq>
-          </p:childTnLst>
-        </p:cTn>
-      </p:par>
-    </p:tnLst>
-    <p:bldLst>
-      <p:bldP spid="409603" grpId="0" uiExpand="1" build="p"/>
-    </p:bldLst>
-  </p:timing>
-</p:sld>
-</file>
-
-<file path=ppt/slides/slide4.xml><?xml version="1.0" encoding="utf-8"?>
-<p:sld xmlns:a="http://schemas.openxmlformats.org/drawingml/2006/main" xmlns:r="http://schemas.openxmlformats.org/officeDocument/2006/relationships" xmlns:p="http://schemas.openxmlformats.org/presentationml/2006/main" showMasterSp="0">
-  <p:cSld>
-    <p:spTree>
-      <p:nvGrpSpPr>
-        <p:cNvPr id="1" name=""/>
-        <p:cNvGrpSpPr/>
-        <p:nvPr/>
-      </p:nvGrpSpPr>
-      <p:grpSpPr>
-        <a:xfrm>
-          <a:off x="0" y="0"/>
-          <a:ext cx="0" cy="0"/>
-          <a:chOff x="0" y="0"/>
-          <a:chExt cx="0" cy="0"/>
-        </a:xfrm>
-      </p:grpSpPr>
-      <p:sp>
-        <p:nvSpPr>
-          <p:cNvPr id="5" name="Footer Placeholder 3"/>
-          <p:cNvSpPr>
-            <a:spLocks noGrp="1"/>
-          </p:cNvSpPr>
-          <p:nvPr>
-            <p:ph type="ftr" sz="quarter" idx="10"/>
-          </p:nvPr>
-        </p:nvSpPr>
-        <p:spPr>
-          <a:xfrm>
-            <a:off x="0" y="6553200"/>
-            <a:ext cx="4648200" cy="304800"/>
-          </a:xfrm>
-        </p:spPr>
-        <p:txBody>
-          <a:bodyPr/>
-          <a:lstStyle/>
-          <a:p>
-            <a:r>
-              <a:rPr lang="en-US" dirty="0" smtClean="0"/>
-              <a:t>Age &amp; Growth R  ●  Kansas City, MO ●  20 August 2016</a:t>
-            </a:r>
-            <a:endParaRPr lang="en-US" dirty="0"/>
-          </a:p>
-        </p:txBody>
-      </p:sp>
-      <p:sp>
-        <p:nvSpPr>
-          <p:cNvPr id="418818" name="Rectangle 2"/>
-          <p:cNvSpPr>
-            <a:spLocks noGrp="1" noChangeArrowheads="1"/>
-          </p:cNvSpPr>
-          <p:nvPr>
-            <p:ph type="title"/>
-          </p:nvPr>
-        </p:nvSpPr>
-        <p:spPr/>
-        <p:txBody>
-          <a:bodyPr/>
-          <a:lstStyle/>
-          <a:p>
-            <a:r>
-              <a:rPr lang="en-US" dirty="0"/>
-              <a:t>Von Bertalanffy </a:t>
-            </a:r>
-            <a:r>
-              <a:rPr lang="en-US" dirty="0" smtClean="0"/>
-              <a:t>– Typical</a:t>
-            </a:r>
-            <a:endParaRPr lang="en-US" dirty="0"/>
-          </a:p>
-        </p:txBody>
-      </p:sp>
-      <p:sp>
-        <p:nvSpPr>
-          <p:cNvPr id="418819" name="Rectangle 3"/>
-          <p:cNvSpPr>
-            <a:spLocks noGrp="1" noChangeArrowheads="1"/>
-          </p:cNvSpPr>
-          <p:nvPr>
-            <p:ph type="body" idx="1"/>
-          </p:nvPr>
-        </p:nvSpPr>
-        <p:spPr>
-          <a:xfrm>
-            <a:off x="76200" y="2971800"/>
-            <a:ext cx="8991600" cy="3276600"/>
-          </a:xfrm>
-        </p:spPr>
-        <p:txBody>
-          <a:bodyPr/>
-          <a:lstStyle/>
-          <a:p>
-            <a:pPr>
-              <a:lnSpc>
-                <a:spcPct val="90000"/>
-              </a:lnSpc>
-            </a:pPr>
-            <a:r>
-              <a:rPr lang="en-US" b="1" dirty="0" smtClean="0"/>
-              <a:t>L</a:t>
-            </a:r>
-            <a:r>
-              <a:rPr lang="en-US" b="1" baseline="-25000" dirty="0">
-                <a:cs typeface="Arial" charset="0"/>
-              </a:rPr>
-              <a:t>∞</a:t>
-            </a:r>
-            <a:r>
-              <a:rPr lang="en-US" dirty="0"/>
-              <a:t> = asymptotic mean </a:t>
-            </a:r>
-            <a:r>
-              <a:rPr lang="en-US" dirty="0" smtClean="0"/>
-              <a:t>length</a:t>
-            </a:r>
-          </a:p>
-          <a:p>
-            <a:pPr>
-              <a:lnSpc>
-                <a:spcPct val="90000"/>
-              </a:lnSpc>
-            </a:pPr>
-            <a:endParaRPr lang="en-US" sz="1600" dirty="0"/>
-          </a:p>
-          <a:p>
-            <a:pPr>
-              <a:lnSpc>
-                <a:spcPct val="90000"/>
-              </a:lnSpc>
-            </a:pPr>
-            <a:r>
-              <a:rPr lang="en-US" b="1" dirty="0"/>
-              <a:t>K</a:t>
-            </a:r>
-            <a:r>
-              <a:rPr lang="en-US" dirty="0"/>
-              <a:t> = Brody “growth” coefficient</a:t>
-            </a:r>
-          </a:p>
-          <a:p>
-            <a:pPr lvl="1">
-              <a:lnSpc>
-                <a:spcPct val="90000"/>
-              </a:lnSpc>
-            </a:pPr>
-            <a:r>
-              <a:rPr lang="en-US" dirty="0" smtClean="0"/>
-              <a:t>controls </a:t>
-            </a:r>
-            <a:r>
-              <a:rPr lang="en-US" dirty="0"/>
-              <a:t>“curvature” of </a:t>
-            </a:r>
-            <a:r>
-              <a:rPr lang="en-US" dirty="0" smtClean="0"/>
-              <a:t>the </a:t>
-            </a:r>
-            <a:r>
-              <a:rPr lang="en-US" dirty="0"/>
-              <a:t>model</a:t>
-            </a:r>
-          </a:p>
-          <a:p>
-            <a:pPr lvl="1">
-              <a:lnSpc>
-                <a:spcPct val="90000"/>
-              </a:lnSpc>
-            </a:pPr>
-            <a:r>
-              <a:rPr lang="en-US" dirty="0" smtClean="0"/>
-              <a:t>log(2)/K is “half-life”</a:t>
-            </a:r>
-          </a:p>
-          <a:p>
-            <a:pPr lvl="1">
-              <a:lnSpc>
-                <a:spcPct val="90000"/>
-              </a:lnSpc>
-            </a:pPr>
-            <a:endParaRPr lang="en-US" sz="1600" dirty="0"/>
-          </a:p>
-          <a:p>
-            <a:pPr>
-              <a:lnSpc>
-                <a:spcPct val="90000"/>
-              </a:lnSpc>
-            </a:pPr>
-            <a:r>
-              <a:rPr lang="en-US" b="1" dirty="0"/>
-              <a:t>t</a:t>
-            </a:r>
-            <a:r>
-              <a:rPr lang="en-US" b="1" baseline="-25000" dirty="0"/>
-              <a:t>o</a:t>
-            </a:r>
-            <a:r>
-              <a:rPr lang="en-US" dirty="0"/>
-              <a:t> = time when mean </a:t>
-            </a:r>
-            <a:r>
-              <a:rPr lang="en-US" dirty="0" smtClean="0"/>
-              <a:t>length </a:t>
-            </a:r>
-            <a:r>
-              <a:rPr lang="en-US" dirty="0"/>
-              <a:t>is 0 (artifact)</a:t>
-            </a:r>
-          </a:p>
-        </p:txBody>
-      </p:sp>
-      <p:pic>
-        <p:nvPicPr>
-          <p:cNvPr id="418820" name="Picture 4"/>
-          <p:cNvPicPr>
-            <a:picLocks noChangeAspect="1" noChangeArrowheads="1"/>
-          </p:cNvPicPr>
-          <p:nvPr/>
-        </p:nvPicPr>
-        <p:blipFill>
-          <a:blip r:embed="rId2"/>
-          <a:srcRect/>
-          <a:stretch>
-            <a:fillRect/>
-          </a:stretch>
-        </p:blipFill>
-        <p:spPr bwMode="auto">
-          <a:xfrm>
-            <a:off x="1143000" y="1427885"/>
-            <a:ext cx="6858000" cy="1086715"/>
-          </a:xfrm>
-          <a:prstGeom prst="rect">
-            <a:avLst/>
-          </a:prstGeom>
-          <a:noFill/>
-          <a:ln w="9525">
-            <a:noFill/>
-            <a:miter lim="800000"/>
-            <a:headEnd/>
-            <a:tailEnd/>
-          </a:ln>
-          <a:effectLst/>
-        </p:spPr>
-      </p:pic>
-    </p:spTree>
-  </p:cSld>
-  <p:clrMapOvr>
-    <a:masterClrMapping/>
-  </p:clrMapOvr>
-  <p:timing>
-    <p:tnLst>
-      <p:par>
-        <p:cTn id="1" dur="indefinite" restart="never" nodeType="tmRoot">
-          <p:childTnLst>
-            <p:seq concurrent="1" nextAc="seek">
-              <p:cTn id="2" dur="indefinite" nodeType="mainSeq">
-                <p:childTnLst>
-                  <p:par>
-                    <p:cTn id="3" fill="hold">
-                      <p:stCondLst>
-                        <p:cond delay="indefinite"/>
-                      </p:stCondLst>
-                      <p:childTnLst>
-                        <p:par>
-                          <p:cTn id="4" fill="hold">
-                            <p:stCondLst>
-                              <p:cond delay="0"/>
-                            </p:stCondLst>
-                            <p:childTnLst>
-                              <p:par>
-                                <p:cTn id="5" presetID="1" presetClass="entr" presetSubtype="0" fill="hold" grpId="0" nodeType="clickEffect">
-                                  <p:stCondLst>
-                                    <p:cond delay="0"/>
-                                  </p:stCondLst>
-                                  <p:childTnLst>
-                                    <p:set>
-                                      <p:cBhvr>
-                                        <p:cTn id="6" dur="1" fill="hold">
-                                          <p:stCondLst>
-                                            <p:cond delay="0"/>
-                                          </p:stCondLst>
-                                        </p:cTn>
-                                        <p:tgtEl>
-                                          <p:spTgt spid="418819">
-                                            <p:txEl>
-                                              <p:pRg st="0" end="0"/>
-                                            </p:txEl>
-                                          </p:spTgt>
-                                        </p:tgtEl>
-                                        <p:attrNameLst>
-                                          <p:attrName>style.visibility</p:attrName>
-                                        </p:attrNameLst>
-                                      </p:cBhvr>
-                                      <p:to>
-                                        <p:strVal val="visible"/>
-                                      </p:to>
-                                    </p:set>
-                                  </p:childTnLst>
-                                </p:cTn>
-                              </p:par>
-                            </p:childTnLst>
-                          </p:cTn>
-                        </p:par>
-                      </p:childTnLst>
-                    </p:cTn>
-                  </p:par>
-                  <p:par>
-                    <p:cTn id="7" fill="hold">
-                      <p:stCondLst>
-                        <p:cond delay="indefinite"/>
-                      </p:stCondLst>
-                      <p:childTnLst>
-                        <p:par>
-                          <p:cTn id="8" fill="hold">
-                            <p:stCondLst>
-                              <p:cond delay="0"/>
-                            </p:stCondLst>
-                            <p:childTnLst>
-                              <p:par>
-                                <p:cTn id="9" presetID="1" presetClass="entr" presetSubtype="0" fill="hold" grpId="0" nodeType="clickEffect">
-                                  <p:stCondLst>
-                                    <p:cond delay="0"/>
-                                  </p:stCondLst>
-                                  <p:childTnLst>
-                                    <p:set>
-                                      <p:cBhvr>
-                                        <p:cTn id="10" dur="1" fill="hold">
-                                          <p:stCondLst>
-                                            <p:cond delay="0"/>
-                                          </p:stCondLst>
-                                        </p:cTn>
-                                        <p:tgtEl>
-                                          <p:spTgt spid="418819">
-                                            <p:txEl>
-                                              <p:pRg st="2" end="2"/>
-                                            </p:txEl>
-                                          </p:spTgt>
-                                        </p:tgtEl>
-                                        <p:attrNameLst>
-                                          <p:attrName>style.visibility</p:attrName>
-                                        </p:attrNameLst>
-                                      </p:cBhvr>
-                                      <p:to>
-                                        <p:strVal val="visible"/>
-                                      </p:to>
-                                    </p:set>
-                                  </p:childTnLst>
-                                </p:cTn>
-                              </p:par>
-                              <p:par>
-                                <p:cTn id="11" presetID="1" presetClass="entr" presetSubtype="0" fill="hold" grpId="0" nodeType="withEffect">
-                                  <p:stCondLst>
-                                    <p:cond delay="0"/>
-                                  </p:stCondLst>
-                                  <p:childTnLst>
-                                    <p:set>
-                                      <p:cBhvr>
-                                        <p:cTn id="12" dur="1" fill="hold">
-                                          <p:stCondLst>
-                                            <p:cond delay="0"/>
-                                          </p:stCondLst>
-                                        </p:cTn>
-                                        <p:tgtEl>
-                                          <p:spTgt spid="418819">
-                                            <p:txEl>
-                                              <p:pRg st="3" end="3"/>
-                                            </p:txEl>
-                                          </p:spTgt>
-                                        </p:tgtEl>
-                                        <p:attrNameLst>
-                                          <p:attrName>style.visibility</p:attrName>
-                                        </p:attrNameLst>
-                                      </p:cBhvr>
-                                      <p:to>
-                                        <p:strVal val="visible"/>
-                                      </p:to>
-                                    </p:set>
-                                  </p:childTnLst>
-                                </p:cTn>
-                              </p:par>
-                              <p:par>
-                                <p:cTn id="13" presetID="1" presetClass="entr" presetSubtype="0" fill="hold" grpId="0" nodeType="withEffect">
-                                  <p:stCondLst>
-                                    <p:cond delay="0"/>
-                                  </p:stCondLst>
-                                  <p:childTnLst>
-                                    <p:set>
-                                      <p:cBhvr>
-                                        <p:cTn id="14" dur="1" fill="hold">
-                                          <p:stCondLst>
-                                            <p:cond delay="0"/>
-                                          </p:stCondLst>
-                                        </p:cTn>
-                                        <p:tgtEl>
-                                          <p:spTgt spid="418819">
-                                            <p:txEl>
-                                              <p:pRg st="4" end="4"/>
-                                            </p:txEl>
-                                          </p:spTgt>
-                                        </p:tgtEl>
-                                        <p:attrNameLst>
-                                          <p:attrName>style.visibility</p:attrName>
-                                        </p:attrNameLst>
-                                      </p:cBhvr>
-                                      <p:to>
-                                        <p:strVal val="visible"/>
-                                      </p:to>
-                                    </p:set>
-                                  </p:childTnLst>
-                                </p:cTn>
-                              </p:par>
-                            </p:childTnLst>
-                          </p:cTn>
-                        </p:par>
-                      </p:childTnLst>
-                    </p:cTn>
-                  </p:par>
-                  <p:par>
-                    <p:cTn id="15" fill="hold">
-                      <p:stCondLst>
-                        <p:cond delay="indefinite"/>
-                      </p:stCondLst>
-                      <p:childTnLst>
-                        <p:par>
-                          <p:cTn id="16" fill="hold">
-                            <p:stCondLst>
-                              <p:cond delay="0"/>
-                            </p:stCondLst>
-                            <p:childTnLst>
-                              <p:par>
-                                <p:cTn id="17" presetID="1" presetClass="entr" presetSubtype="0" fill="hold" grpId="0" nodeType="clickEffect">
-                                  <p:stCondLst>
-                                    <p:cond delay="0"/>
-                                  </p:stCondLst>
-                                  <p:childTnLst>
-                                    <p:set>
-                                      <p:cBhvr>
-                                        <p:cTn id="18" dur="1" fill="hold">
-                                          <p:stCondLst>
-                                            <p:cond delay="0"/>
-                                          </p:stCondLst>
-                                        </p:cTn>
-                                        <p:tgtEl>
-                                          <p:spTgt spid="418819">
-                                            <p:txEl>
-                                              <p:pRg st="6" end="6"/>
-                                            </p:txEl>
-                                          </p:spTgt>
-                                        </p:tgtEl>
-                                        <p:attrNameLst>
-                                          <p:attrName>style.visibility</p:attrName>
-                                        </p:attrNameLst>
-                                      </p:cBhvr>
-                                      <p:to>
-                                        <p:strVal val="visible"/>
-                                      </p:to>
-                                    </p:set>
-                                  </p:childTnLst>
-                                </p:cTn>
-                              </p:par>
-                            </p:childTnLst>
-                          </p:cTn>
-                        </p:par>
-                      </p:childTnLst>
-                    </p:cTn>
-                  </p:par>
-                </p:childTnLst>
-              </p:cTn>
-              <p:prevCondLst>
-                <p:cond evt="onPrev" delay="0">
-                  <p:tgtEl>
-                    <p:sldTgt/>
-                  </p:tgtEl>
-                </p:cond>
-              </p:prevCondLst>
-              <p:nextCondLst>
-                <p:cond evt="onNext" delay="0">
-                  <p:tgtEl>
-                    <p:sldTgt/>
-                  </p:tgtEl>
-                </p:cond>
-              </p:nextCondLst>
-            </p:seq>
-          </p:childTnLst>
-        </p:cTn>
-      </p:par>
-    </p:tnLst>
-    <p:bldLst>
-      <p:bldP spid="418819" grpId="0" uiExpand="1" build="p"/>
-    </p:bldLst>
-  </p:timing>
-</p:sld>
-</file>
-
-<file path=ppt/slides/slide5.xml><?xml version="1.0" encoding="utf-8"?>
-<p:sld xmlns:a="http://schemas.openxmlformats.org/drawingml/2006/main" xmlns:r="http://schemas.openxmlformats.org/officeDocument/2006/relationships" xmlns:p="http://schemas.openxmlformats.org/presentationml/2006/main" showMasterSp="0">
-  <p:cSld>
-    <p:spTree>
-      <p:nvGrpSpPr>
-        <p:cNvPr id="1" name=""/>
-        <p:cNvGrpSpPr/>
-        <p:nvPr/>
-      </p:nvGrpSpPr>
-      <p:grpSpPr>
-        <a:xfrm>
-          <a:off x="0" y="0"/>
-          <a:ext cx="0" cy="0"/>
-          <a:chOff x="0" y="0"/>
-          <a:chExt cx="0" cy="0"/>
-        </a:xfrm>
-      </p:grpSpPr>
-      <p:sp>
-        <p:nvSpPr>
-          <p:cNvPr id="4" name="Footer Placeholder 3"/>
-          <p:cNvSpPr>
-            <a:spLocks noGrp="1"/>
-          </p:cNvSpPr>
-          <p:nvPr>
-            <p:ph type="ftr" sz="quarter" idx="10"/>
-          </p:nvPr>
-        </p:nvSpPr>
-        <p:spPr>
-          <a:xfrm>
-            <a:off x="0" y="6553200"/>
-            <a:ext cx="4648200" cy="304800"/>
-          </a:xfrm>
-        </p:spPr>
-        <p:txBody>
-          <a:bodyPr/>
-          <a:lstStyle/>
-          <a:p>
-            <a:r>
-              <a:rPr lang="en-US" dirty="0" smtClean="0"/>
-              <a:t>Age &amp; Growth R  ●  Kansas City, MO ●  20 August 2016</a:t>
-            </a:r>
-            <a:endParaRPr lang="en-US" dirty="0"/>
-          </a:p>
-        </p:txBody>
-      </p:sp>
-      <p:sp>
-        <p:nvSpPr>
-          <p:cNvPr id="416770" name="Rectangle 2"/>
-          <p:cNvSpPr>
-            <a:spLocks noGrp="1" noChangeArrowheads="1"/>
-          </p:cNvSpPr>
-          <p:nvPr>
-            <p:ph type="title"/>
-          </p:nvPr>
-        </p:nvSpPr>
-        <p:spPr/>
-        <p:txBody>
-          <a:bodyPr/>
-          <a:lstStyle/>
-          <a:p>
-            <a:r>
-              <a:rPr lang="en-US" dirty="0"/>
-              <a:t>Von Bertalanffy – Typical</a:t>
-            </a:r>
-          </a:p>
-        </p:txBody>
-      </p:sp>
-      <p:pic>
-        <p:nvPicPr>
-          <p:cNvPr id="2" name="Picture 1"/>
-          <p:cNvPicPr>
-            <a:picLocks noChangeAspect="1"/>
-          </p:cNvPicPr>
-          <p:nvPr/>
-        </p:nvPicPr>
-        <p:blipFill>
-          <a:blip r:embed="rId3"/>
-          <a:stretch>
-            <a:fillRect/>
-          </a:stretch>
-        </p:blipFill>
-        <p:spPr>
-          <a:xfrm>
-            <a:off x="2047875" y="1200150"/>
-            <a:ext cx="5048250" cy="5048250"/>
-          </a:xfrm>
-          <a:prstGeom prst="rect">
-            <a:avLst/>
-          </a:prstGeom>
-        </p:spPr>
-      </p:pic>
-    </p:spTree>
-  </p:cSld>
-  <p:clrMapOvr>
-    <a:masterClrMapping/>
-  </p:clrMapOvr>
-  <p:timing>
-    <p:tnLst>
-      <p:par>
-        <p:cTn id="1" dur="indefinite" restart="never" nodeType="tmRoot"/>
-      </p:par>
-    </p:tnLst>
-  </p:timing>
-</p:sld>
-</file>
-
-<file path=ppt/slides/slide6.xml><?xml version="1.0" encoding="utf-8"?>
+<file path=ppt/slides/slide11.xml><?xml version="1.0" encoding="utf-8"?>
 <p:sld xmlns:a="http://schemas.openxmlformats.org/drawingml/2006/main" xmlns:r="http://schemas.openxmlformats.org/officeDocument/2006/relationships" xmlns:p="http://schemas.openxmlformats.org/presentationml/2006/main" showMasterSp="0">
   <p:cSld>
     <p:spTree>
@@ -6515,7 +5732,7 @@
 </p:sld>
 </file>
 
-<file path=ppt/slides/slide7.xml><?xml version="1.0" encoding="utf-8"?>
+<file path=ppt/slides/slide12.xml><?xml version="1.0" encoding="utf-8"?>
 <p:sld xmlns:a="http://schemas.openxmlformats.org/drawingml/2006/main" xmlns:r="http://schemas.openxmlformats.org/officeDocument/2006/relationships" xmlns:p="http://schemas.openxmlformats.org/presentationml/2006/main">
   <p:cSld>
     <p:spTree>
@@ -6766,7 +5983,7 @@
         <p:spPr>
           <a:xfrm>
             <a:off x="457200" y="3200400"/>
-            <a:ext cx="8686800" cy="1981200"/>
+            <a:ext cx="8686800" cy="2971800"/>
           </a:xfrm>
         </p:spPr>
         <p:txBody>
@@ -6781,7 +5998,13 @@
               <a:rPr lang="en-US" dirty="0" smtClean="0">
                 <a:hlinkClick r:id="rId2"/>
               </a:rPr>
-              <a:t>Lake Ontario Rock Bass A</a:t>
+              <a:t>Lake Ontario Rock </a:t>
+            </a:r>
+            <a:r>
+              <a:rPr lang="en-US" dirty="0" smtClean="0">
+                <a:hlinkClick r:id="rId2"/>
+              </a:rPr>
+              <a:t>Bass</a:t>
             </a:r>
             <a:endParaRPr lang="en-US" dirty="0" smtClean="0"/>
           </a:p>
@@ -6809,22 +6032,13 @@
             </a:r>
             <a:r>
               <a:rPr lang="en-US" dirty="0" smtClean="0"/>
-              <a:t> that contains lengths and ages for ALL fish.</a:t>
-            </a:r>
-          </a:p>
-          <a:p>
-            <a:pPr lvl="1"/>
+              <a:t> that contains lengths and ages for ALL fish</a:t>
+            </a:r>
             <a:r>
               <a:rPr lang="en-US" dirty="0" smtClean="0"/>
-              <a:t>(Time Permitting) Complete </a:t>
-            </a:r>
-            <a:r>
-              <a:rPr lang="en-US" dirty="0" smtClean="0">
-                <a:hlinkClick r:id="rId3"/>
-              </a:rPr>
-              <a:t>Lake Ontario Rock Bass B</a:t>
-            </a:r>
-            <a:endParaRPr lang="en-US" dirty="0"/>
+              <a:t>.</a:t>
+            </a:r>
+            <a:endParaRPr lang="en-US" dirty="0" smtClean="0"/>
           </a:p>
         </p:txBody>
       </p:sp>
@@ -7011,37 +6225,6 @@
                                   </p:childTnLst>
                                 </p:cTn>
                               </p:par>
-                              <p:par>
-                                <p:cTn id="15" presetID="1" presetClass="entr" presetSubtype="0" fill="hold" grpId="0" nodeType="withEffect">
-                                  <p:stCondLst>
-                                    <p:cond delay="0"/>
-                                  </p:stCondLst>
-                                  <p:childTnLst>
-                                    <p:set>
-                                      <p:cBhvr>
-                                        <p:cTn id="16" dur="1" fill="hold">
-                                          <p:stCondLst>
-                                            <p:cond delay="0"/>
-                                          </p:stCondLst>
-                                        </p:cTn>
-                                        <p:tgtEl>
-                                          <p:spTgt spid="7">
-                                            <p:txEl>
-                                              <p:pRg st="2" end="2"/>
-                                            </p:txEl>
-                                          </p:spTgt>
-                                        </p:tgtEl>
-                                        <p:attrNameLst>
-                                          <p:attrName>style.visibility</p:attrName>
-                                        </p:attrNameLst>
-                                      </p:cBhvr>
-                                      <p:to>
-                                        <p:strVal val="visible"/>
-                                      </p:to>
-                                    </p:set>
-                                  </p:childTnLst>
-                                </p:cTn>
-                              </p:par>
                             </p:childTnLst>
                           </p:cTn>
                         </p:par>
@@ -7078,7 +6261,7 @@
 </p:sld>
 </file>
 
-<file path=ppt/slides/slide8.xml><?xml version="1.0" encoding="utf-8"?>
+<file path=ppt/slides/slide13.xml><?xml version="1.0" encoding="utf-8"?>
 <p:sld xmlns:a="http://schemas.openxmlformats.org/drawingml/2006/main" xmlns:r="http://schemas.openxmlformats.org/officeDocument/2006/relationships" xmlns:p="http://schemas.openxmlformats.org/presentationml/2006/main" showMasterSp="0" show="0">
   <p:cSld>
     <p:spTree>
@@ -7641,7 +6824,7 @@
 </p:sld>
 </file>
 
-<file path=ppt/slides/slide9.xml><?xml version="1.0" encoding="utf-8"?>
+<file path=ppt/slides/slide14.xml><?xml version="1.0" encoding="utf-8"?>
 <p:sld xmlns:a="http://schemas.openxmlformats.org/drawingml/2006/main" xmlns:r="http://schemas.openxmlformats.org/officeDocument/2006/relationships" xmlns:p="http://schemas.openxmlformats.org/presentationml/2006/main" showMasterSp="0" show="0">
   <p:cSld>
     <p:spTree>
@@ -7759,6 +6942,3004 @@
     <p:tnLst>
       <p:par>
         <p:cTn id="1" dur="indefinite" restart="never" nodeType="tmRoot"/>
+      </p:par>
+    </p:tnLst>
+  </p:timing>
+</p:sld>
+</file>
+
+<file path=ppt/slides/slide15.xml><?xml version="1.0" encoding="utf-8"?>
+<p:sld xmlns:a="http://schemas.openxmlformats.org/drawingml/2006/main" xmlns:r="http://schemas.openxmlformats.org/officeDocument/2006/relationships" xmlns:p="http://schemas.openxmlformats.org/presentationml/2006/main" showMasterSp="0" show="0">
+  <p:cSld>
+    <p:spTree>
+      <p:nvGrpSpPr>
+        <p:cNvPr id="1" name=""/>
+        <p:cNvGrpSpPr/>
+        <p:nvPr/>
+      </p:nvGrpSpPr>
+      <p:grpSpPr>
+        <a:xfrm>
+          <a:off x="0" y="0"/>
+          <a:ext cx="0" cy="0"/>
+          <a:chOff x="0" y="0"/>
+          <a:chExt cx="0" cy="0"/>
+        </a:xfrm>
+      </p:grpSpPr>
+      <p:sp>
+        <p:nvSpPr>
+          <p:cNvPr id="5" name="Footer Placeholder 3"/>
+          <p:cNvSpPr>
+            <a:spLocks noGrp="1"/>
+          </p:cNvSpPr>
+          <p:nvPr>
+            <p:ph type="ftr" sz="quarter" idx="10"/>
+          </p:nvPr>
+        </p:nvSpPr>
+        <p:spPr/>
+        <p:txBody>
+          <a:bodyPr/>
+          <a:lstStyle/>
+          <a:p>
+            <a:r>
+              <a:rPr lang="en-US" smtClean="0"/>
+              <a:t>Age &amp; Growth R  ●  Kansas City, MO ●  20 August 2016</a:t>
+            </a:r>
+            <a:endParaRPr lang="en-US"/>
+          </a:p>
+        </p:txBody>
+      </p:sp>
+      <p:sp>
+        <p:nvSpPr>
+          <p:cNvPr id="418818" name="Rectangle 2"/>
+          <p:cNvSpPr>
+            <a:spLocks noGrp="1" noChangeArrowheads="1"/>
+          </p:cNvSpPr>
+          <p:nvPr>
+            <p:ph type="title"/>
+          </p:nvPr>
+        </p:nvSpPr>
+        <p:spPr/>
+        <p:txBody>
+          <a:bodyPr/>
+          <a:lstStyle/>
+          <a:p>
+            <a:r>
+              <a:rPr lang="en-US" dirty="0"/>
+              <a:t>Von Bertalanffy </a:t>
+            </a:r>
+            <a:r>
+              <a:rPr lang="en-US" dirty="0" smtClean="0"/>
+              <a:t>– Francis</a:t>
+            </a:r>
+            <a:endParaRPr lang="en-US" dirty="0"/>
+          </a:p>
+        </p:txBody>
+      </p:sp>
+      <p:sp>
+        <p:nvSpPr>
+          <p:cNvPr id="418819" name="Rectangle 3"/>
+          <p:cNvSpPr>
+            <a:spLocks noGrp="1" noChangeArrowheads="1"/>
+          </p:cNvSpPr>
+          <p:nvPr>
+            <p:ph type="body" idx="1"/>
+          </p:nvPr>
+        </p:nvSpPr>
+        <p:spPr>
+          <a:xfrm>
+            <a:off x="65088" y="1066800"/>
+            <a:ext cx="9078912" cy="5562600"/>
+          </a:xfrm>
+        </p:spPr>
+        <p:txBody>
+          <a:bodyPr/>
+          <a:lstStyle/>
+          <a:p>
+            <a:pPr>
+              <a:lnSpc>
+                <a:spcPct val="90000"/>
+              </a:lnSpc>
+            </a:pPr>
+            <a:r>
+              <a:rPr lang="en-US" dirty="0"/>
+              <a:t> </a:t>
+            </a:r>
+            <a:r>
+              <a:rPr lang="en-US" dirty="0" smtClean="0"/>
+              <a:t>A </a:t>
+            </a:r>
+            <a:r>
+              <a:rPr lang="en-US" dirty="0" err="1" smtClean="0"/>
+              <a:t>reparameterization</a:t>
+            </a:r>
+            <a:endParaRPr lang="en-US" dirty="0" smtClean="0"/>
+          </a:p>
+          <a:p>
+            <a:pPr>
+              <a:lnSpc>
+                <a:spcPct val="90000"/>
+              </a:lnSpc>
+            </a:pPr>
+            <a:endParaRPr lang="en-US" dirty="0"/>
+          </a:p>
+          <a:p>
+            <a:pPr>
+              <a:lnSpc>
+                <a:spcPct val="90000"/>
+              </a:lnSpc>
+            </a:pPr>
+            <a:r>
+              <a:rPr lang="en-US" dirty="0" smtClean="0"/>
+              <a:t>Goals</a:t>
+            </a:r>
+          </a:p>
+          <a:p>
+            <a:pPr lvl="1">
+              <a:lnSpc>
+                <a:spcPct val="90000"/>
+              </a:lnSpc>
+            </a:pPr>
+            <a:r>
+              <a:rPr lang="en-US" dirty="0" smtClean="0"/>
+              <a:t>Better model fitting</a:t>
+            </a:r>
+          </a:p>
+          <a:p>
+            <a:pPr lvl="2">
+              <a:lnSpc>
+                <a:spcPct val="90000"/>
+              </a:lnSpc>
+            </a:pPr>
+            <a:r>
+              <a:rPr lang="en-US" dirty="0" smtClean="0"/>
+              <a:t>Reduce correlation among parameters &amp; scale difference</a:t>
+            </a:r>
+          </a:p>
+          <a:p>
+            <a:pPr lvl="1">
+              <a:lnSpc>
+                <a:spcPct val="90000"/>
+              </a:lnSpc>
+            </a:pPr>
+            <a:r>
+              <a:rPr lang="en-US" dirty="0" smtClean="0"/>
+              <a:t>Easier interpretation</a:t>
+            </a:r>
+          </a:p>
+        </p:txBody>
+      </p:sp>
+    </p:spTree>
+    <p:extLst>
+      <p:ext uri="{BB962C8B-B14F-4D97-AF65-F5344CB8AC3E}">
+        <p14:creationId xmlns:p14="http://schemas.microsoft.com/office/powerpoint/2010/main" val="3253704358"/>
+      </p:ext>
+    </p:extLst>
+  </p:cSld>
+  <p:clrMapOvr>
+    <a:masterClrMapping/>
+  </p:clrMapOvr>
+  <mc:AlternateContent xmlns:mc="http://schemas.openxmlformats.org/markup-compatibility/2006" xmlns:p14="http://schemas.microsoft.com/office/powerpoint/2010/main">
+    <mc:Choice Requires="p14">
+      <p:transition spd="slow" p14:dur="2000"/>
+    </mc:Choice>
+    <mc:Fallback xmlns="">
+      <p:transition spd="slow"/>
+    </mc:Fallback>
+  </mc:AlternateContent>
+  <p:timing>
+    <p:tnLst>
+      <p:par>
+        <p:cTn id="1" dur="indefinite" restart="never" nodeType="tmRoot">
+          <p:childTnLst>
+            <p:seq concurrent="1" nextAc="seek">
+              <p:cTn id="2" dur="indefinite" nodeType="mainSeq">
+                <p:childTnLst>
+                  <p:par>
+                    <p:cTn id="3" fill="hold">
+                      <p:stCondLst>
+                        <p:cond delay="indefinite"/>
+                      </p:stCondLst>
+                      <p:childTnLst>
+                        <p:par>
+                          <p:cTn id="4" fill="hold">
+                            <p:stCondLst>
+                              <p:cond delay="0"/>
+                            </p:stCondLst>
+                            <p:childTnLst>
+                              <p:par>
+                                <p:cTn id="5" presetID="1" presetClass="entr" presetSubtype="0" fill="hold" grpId="0" nodeType="clickEffect">
+                                  <p:stCondLst>
+                                    <p:cond delay="0"/>
+                                  </p:stCondLst>
+                                  <p:childTnLst>
+                                    <p:set>
+                                      <p:cBhvr>
+                                        <p:cTn id="6" dur="1" fill="hold">
+                                          <p:stCondLst>
+                                            <p:cond delay="0"/>
+                                          </p:stCondLst>
+                                        </p:cTn>
+                                        <p:tgtEl>
+                                          <p:spTgt spid="418819">
+                                            <p:txEl>
+                                              <p:pRg st="5" end="5"/>
+                                            </p:txEl>
+                                          </p:spTgt>
+                                        </p:tgtEl>
+                                        <p:attrNameLst>
+                                          <p:attrName>style.visibility</p:attrName>
+                                        </p:attrNameLst>
+                                      </p:cBhvr>
+                                      <p:to>
+                                        <p:strVal val="visible"/>
+                                      </p:to>
+                                    </p:set>
+                                  </p:childTnLst>
+                                </p:cTn>
+                              </p:par>
+                            </p:childTnLst>
+                          </p:cTn>
+                        </p:par>
+                      </p:childTnLst>
+                    </p:cTn>
+                  </p:par>
+                </p:childTnLst>
+              </p:cTn>
+              <p:prevCondLst>
+                <p:cond evt="onPrev" delay="0">
+                  <p:tgtEl>
+                    <p:sldTgt/>
+                  </p:tgtEl>
+                </p:cond>
+              </p:prevCondLst>
+              <p:nextCondLst>
+                <p:cond evt="onNext" delay="0">
+                  <p:tgtEl>
+                    <p:sldTgt/>
+                  </p:tgtEl>
+                </p:cond>
+              </p:nextCondLst>
+            </p:seq>
+          </p:childTnLst>
+        </p:cTn>
+      </p:par>
+    </p:tnLst>
+    <p:bldLst>
+      <p:bldP spid="418819" grpId="0" uiExpand="1" build="p"/>
+    </p:bldLst>
+  </p:timing>
+</p:sld>
+</file>
+
+<file path=ppt/slides/slide2.xml><?xml version="1.0" encoding="utf-8"?>
+<p:sld xmlns:a="http://schemas.openxmlformats.org/drawingml/2006/main" xmlns:r="http://schemas.openxmlformats.org/officeDocument/2006/relationships" xmlns:p="http://schemas.openxmlformats.org/presentationml/2006/main" showMasterSp="0">
+  <p:cSld>
+    <p:spTree>
+      <p:nvGrpSpPr>
+        <p:cNvPr id="1" name=""/>
+        <p:cNvGrpSpPr/>
+        <p:nvPr/>
+      </p:nvGrpSpPr>
+      <p:grpSpPr>
+        <a:xfrm>
+          <a:off x="0" y="0"/>
+          <a:ext cx="0" cy="0"/>
+          <a:chOff x="0" y="0"/>
+          <a:chExt cx="0" cy="0"/>
+        </a:xfrm>
+      </p:grpSpPr>
+      <p:sp>
+        <p:nvSpPr>
+          <p:cNvPr id="7" name="Footer Placeholder 3"/>
+          <p:cNvSpPr>
+            <a:spLocks noGrp="1"/>
+          </p:cNvSpPr>
+          <p:nvPr>
+            <p:ph type="ftr" sz="quarter" idx="10"/>
+          </p:nvPr>
+        </p:nvSpPr>
+        <p:spPr>
+          <a:xfrm>
+            <a:off x="0" y="6553200"/>
+            <a:ext cx="4648200" cy="304800"/>
+          </a:xfrm>
+        </p:spPr>
+        <p:txBody>
+          <a:bodyPr/>
+          <a:lstStyle/>
+          <a:p>
+            <a:r>
+              <a:rPr lang="en-US" dirty="0" smtClean="0"/>
+              <a:t>Age &amp; Growth R  ●  Kansas City, MO ●  20 August 2016</a:t>
+            </a:r>
+            <a:endParaRPr lang="en-US" dirty="0"/>
+          </a:p>
+        </p:txBody>
+      </p:sp>
+      <p:sp>
+        <p:nvSpPr>
+          <p:cNvPr id="407554" name="Rectangle 2"/>
+          <p:cNvSpPr>
+            <a:spLocks noGrp="1" noChangeArrowheads="1"/>
+          </p:cNvSpPr>
+          <p:nvPr>
+            <p:ph type="title"/>
+          </p:nvPr>
+        </p:nvSpPr>
+        <p:spPr/>
+        <p:txBody>
+          <a:bodyPr/>
+          <a:lstStyle/>
+          <a:p>
+            <a:r>
+              <a:rPr lang="en-US" dirty="0" smtClean="0"/>
+              <a:t>Length-At-Age </a:t>
+            </a:r>
+            <a:r>
+              <a:rPr lang="en-US" dirty="0"/>
+              <a:t>Data</a:t>
+            </a:r>
+          </a:p>
+        </p:txBody>
+      </p:sp>
+      <p:sp>
+        <p:nvSpPr>
+          <p:cNvPr id="407555" name="Rectangle 3"/>
+          <p:cNvSpPr>
+            <a:spLocks noGrp="1" noChangeArrowheads="1"/>
+          </p:cNvSpPr>
+          <p:nvPr>
+            <p:ph type="body" idx="1"/>
+          </p:nvPr>
+        </p:nvSpPr>
+        <p:spPr>
+          <a:xfrm>
+            <a:off x="228600" y="990600"/>
+            <a:ext cx="2971800" cy="5791200"/>
+          </a:xfrm>
+        </p:spPr>
+        <p:txBody>
+          <a:bodyPr/>
+          <a:lstStyle/>
+          <a:p>
+            <a:pPr>
+              <a:lnSpc>
+                <a:spcPct val="80000"/>
+              </a:lnSpc>
+              <a:buFontTx/>
+              <a:buNone/>
+            </a:pPr>
+            <a:r>
+              <a:rPr lang="en-US" sz="1800" b="1" u="sng" dirty="0">
+                <a:latin typeface="Courier New" pitchFamily="49" charset="0"/>
+              </a:rPr>
+              <a:t>TL Age Species</a:t>
+            </a:r>
+          </a:p>
+          <a:p>
+            <a:pPr>
+              <a:lnSpc>
+                <a:spcPct val="80000"/>
+              </a:lnSpc>
+              <a:buFontTx/>
+              <a:buNone/>
+            </a:pPr>
+            <a:r>
+              <a:rPr lang="en-US" sz="1800" dirty="0">
+                <a:latin typeface="Courier New" pitchFamily="49" charset="0"/>
+              </a:rPr>
+              <a:t>24   6 Rainbow</a:t>
+            </a:r>
+          </a:p>
+          <a:p>
+            <a:pPr>
+              <a:lnSpc>
+                <a:spcPct val="80000"/>
+              </a:lnSpc>
+              <a:buFontTx/>
+              <a:buNone/>
+            </a:pPr>
+            <a:r>
+              <a:rPr lang="en-US" sz="1800" dirty="0">
+                <a:latin typeface="Courier New" pitchFamily="49" charset="0"/>
+              </a:rPr>
+              <a:t>26   8 Rainbow</a:t>
+            </a:r>
+          </a:p>
+          <a:p>
+            <a:pPr>
+              <a:lnSpc>
+                <a:spcPct val="80000"/>
+              </a:lnSpc>
+              <a:buFontTx/>
+              <a:buNone/>
+            </a:pPr>
+            <a:r>
+              <a:rPr lang="en-US" sz="1800" dirty="0">
+                <a:latin typeface="Courier New" pitchFamily="49" charset="0"/>
+              </a:rPr>
+              <a:t>23   5 Rainbow</a:t>
+            </a:r>
+          </a:p>
+          <a:p>
+            <a:pPr>
+              <a:lnSpc>
+                <a:spcPct val="80000"/>
+              </a:lnSpc>
+              <a:buFontTx/>
+              <a:buNone/>
+            </a:pPr>
+            <a:r>
+              <a:rPr lang="en-US" sz="1800" dirty="0">
+                <a:latin typeface="Courier New" pitchFamily="49" charset="0"/>
+              </a:rPr>
+              <a:t>25   5 Rainbow</a:t>
+            </a:r>
+          </a:p>
+          <a:p>
+            <a:pPr>
+              <a:lnSpc>
+                <a:spcPct val="80000"/>
+              </a:lnSpc>
+              <a:buFontTx/>
+              <a:buNone/>
+            </a:pPr>
+            <a:r>
+              <a:rPr lang="en-US" sz="1800" dirty="0">
+                <a:latin typeface="Courier New" pitchFamily="49" charset="0"/>
+              </a:rPr>
+              <a:t>24   4 Rainbow</a:t>
+            </a:r>
+          </a:p>
+          <a:p>
+            <a:pPr>
+              <a:lnSpc>
+                <a:spcPct val="80000"/>
+              </a:lnSpc>
+              <a:buFontTx/>
+              <a:buNone/>
+            </a:pPr>
+            <a:r>
+              <a:rPr lang="en-US" sz="1800" dirty="0">
+                <a:latin typeface="Courier New" pitchFamily="49" charset="0"/>
+              </a:rPr>
+              <a:t>24   5 Rainbow</a:t>
+            </a:r>
+          </a:p>
+          <a:p>
+            <a:pPr>
+              <a:lnSpc>
+                <a:spcPct val="80000"/>
+              </a:lnSpc>
+              <a:buFontTx/>
+              <a:buNone/>
+            </a:pPr>
+            <a:r>
+              <a:rPr lang="en-US" sz="1800" dirty="0">
+                <a:latin typeface="Courier New" pitchFamily="49" charset="0"/>
+              </a:rPr>
+              <a:t>23   4 Rainbow</a:t>
+            </a:r>
+          </a:p>
+          <a:p>
+            <a:pPr>
+              <a:lnSpc>
+                <a:spcPct val="80000"/>
+              </a:lnSpc>
+              <a:buFontTx/>
+              <a:buNone/>
+            </a:pPr>
+            <a:r>
+              <a:rPr lang="en-US" sz="1800" dirty="0">
+                <a:latin typeface="Courier New" pitchFamily="49" charset="0"/>
+              </a:rPr>
+              <a:t>25   5 Rainbow</a:t>
+            </a:r>
+          </a:p>
+          <a:p>
+            <a:pPr>
+              <a:lnSpc>
+                <a:spcPct val="80000"/>
+              </a:lnSpc>
+              <a:buFontTx/>
+              <a:buNone/>
+            </a:pPr>
+            <a:r>
+              <a:rPr lang="en-US" sz="1800" dirty="0">
+                <a:latin typeface="Courier New" pitchFamily="49" charset="0"/>
+              </a:rPr>
+              <a:t>20   4 Rainbow</a:t>
+            </a:r>
+          </a:p>
+          <a:p>
+            <a:pPr>
+              <a:lnSpc>
+                <a:spcPct val="80000"/>
+              </a:lnSpc>
+              <a:buFontTx/>
+              <a:buNone/>
+            </a:pPr>
+            <a:r>
+              <a:rPr lang="en-US" sz="1800" dirty="0">
+                <a:latin typeface="Courier New" pitchFamily="49" charset="0"/>
+              </a:rPr>
+              <a:t>23   4 Rainbow</a:t>
+            </a:r>
+          </a:p>
+          <a:p>
+            <a:pPr>
+              <a:lnSpc>
+                <a:spcPct val="80000"/>
+              </a:lnSpc>
+              <a:buFontTx/>
+              <a:buNone/>
+            </a:pPr>
+            <a:r>
+              <a:rPr lang="en-US" sz="1800" dirty="0">
+                <a:latin typeface="Courier New" pitchFamily="49" charset="0"/>
+              </a:rPr>
+              <a:t>26   6 Rainbow</a:t>
+            </a:r>
+          </a:p>
+          <a:p>
+            <a:pPr>
+              <a:lnSpc>
+                <a:spcPct val="80000"/>
+              </a:lnSpc>
+              <a:buFontTx/>
+              <a:buNone/>
+            </a:pPr>
+            <a:r>
+              <a:rPr lang="en-US" sz="1800" dirty="0">
+                <a:latin typeface="Courier New" pitchFamily="49" charset="0"/>
+              </a:rPr>
+              <a:t>29  10 Rainbow</a:t>
+            </a:r>
+          </a:p>
+          <a:p>
+            <a:pPr>
+              <a:lnSpc>
+                <a:spcPct val="80000"/>
+              </a:lnSpc>
+              <a:buFontTx/>
+              <a:buNone/>
+            </a:pPr>
+            <a:r>
+              <a:rPr lang="en-US" sz="1800" dirty="0">
+                <a:latin typeface="Courier New" pitchFamily="49" charset="0"/>
+              </a:rPr>
+              <a:t>20   4 Rainbow</a:t>
+            </a:r>
+          </a:p>
+          <a:p>
+            <a:pPr>
+              <a:lnSpc>
+                <a:spcPct val="80000"/>
+              </a:lnSpc>
+              <a:buFontTx/>
+              <a:buNone/>
+            </a:pPr>
+            <a:r>
+              <a:rPr lang="en-US" sz="1800" dirty="0">
+                <a:latin typeface="Courier New" pitchFamily="49" charset="0"/>
+              </a:rPr>
+              <a:t>29   8 Rainbow</a:t>
+            </a:r>
+          </a:p>
+          <a:p>
+            <a:pPr>
+              <a:lnSpc>
+                <a:spcPct val="80000"/>
+              </a:lnSpc>
+              <a:buFontTx/>
+              <a:buNone/>
+            </a:pPr>
+            <a:r>
+              <a:rPr lang="en-US" sz="1800" dirty="0">
+                <a:latin typeface="Courier New" pitchFamily="49" charset="0"/>
+              </a:rPr>
+              <a:t>24   6 Rainbow</a:t>
+            </a:r>
+          </a:p>
+          <a:p>
+            <a:pPr>
+              <a:lnSpc>
+                <a:spcPct val="80000"/>
+              </a:lnSpc>
+              <a:buFontTx/>
+              <a:buNone/>
+            </a:pPr>
+            <a:r>
+              <a:rPr lang="en-US" sz="1800" dirty="0">
+                <a:latin typeface="Courier New" pitchFamily="49" charset="0"/>
+              </a:rPr>
+              <a:t>26   6 Rainbow</a:t>
+            </a:r>
+          </a:p>
+          <a:p>
+            <a:pPr>
+              <a:lnSpc>
+                <a:spcPct val="80000"/>
+              </a:lnSpc>
+              <a:buFontTx/>
+              <a:buNone/>
+            </a:pPr>
+            <a:r>
+              <a:rPr lang="en-US" sz="1800" dirty="0">
+                <a:latin typeface="Courier New" pitchFamily="49" charset="0"/>
+              </a:rPr>
+              <a:t>23   5 Rainbow</a:t>
+            </a:r>
+          </a:p>
+          <a:p>
+            <a:pPr>
+              <a:lnSpc>
+                <a:spcPct val="80000"/>
+              </a:lnSpc>
+              <a:buFontTx/>
+              <a:buNone/>
+            </a:pPr>
+            <a:r>
+              <a:rPr lang="en-US" sz="1800" dirty="0">
+                <a:latin typeface="Courier New" pitchFamily="49" charset="0"/>
+              </a:rPr>
+              <a:t>24   4 </a:t>
+            </a:r>
+            <a:r>
+              <a:rPr lang="en-US" sz="1800" dirty="0" smtClean="0">
+                <a:latin typeface="Courier New" pitchFamily="49" charset="0"/>
+              </a:rPr>
+              <a:t>Rainbow</a:t>
+            </a:r>
+            <a:endParaRPr lang="en-US" sz="1800" dirty="0">
+              <a:latin typeface="Courier New" pitchFamily="49" charset="0"/>
+            </a:endParaRPr>
+          </a:p>
+        </p:txBody>
+      </p:sp>
+      <p:pic>
+        <p:nvPicPr>
+          <p:cNvPr id="6" name="Picture 5"/>
+          <p:cNvPicPr>
+            <a:picLocks noChangeAspect="1"/>
+          </p:cNvPicPr>
+          <p:nvPr/>
+        </p:nvPicPr>
+        <p:blipFill>
+          <a:blip r:embed="rId3"/>
+          <a:stretch>
+            <a:fillRect/>
+          </a:stretch>
+        </p:blipFill>
+        <p:spPr>
+          <a:xfrm>
+            <a:off x="3429000" y="1219200"/>
+            <a:ext cx="5048250" cy="5048250"/>
+          </a:xfrm>
+          <a:prstGeom prst="rect">
+            <a:avLst/>
+          </a:prstGeom>
+        </p:spPr>
+      </p:pic>
+    </p:spTree>
+  </p:cSld>
+  <p:clrMapOvr>
+    <a:masterClrMapping/>
+  </p:clrMapOvr>
+  <p:timing>
+    <p:tnLst>
+      <p:par>
+        <p:cTn id="1" dur="indefinite" restart="never" nodeType="tmRoot">
+          <p:childTnLst>
+            <p:seq concurrent="1" nextAc="seek">
+              <p:cTn id="2" dur="indefinite" nodeType="mainSeq">
+                <p:childTnLst>
+                  <p:par>
+                    <p:cTn id="3" fill="hold">
+                      <p:stCondLst>
+                        <p:cond delay="indefinite"/>
+                      </p:stCondLst>
+                      <p:childTnLst>
+                        <p:par>
+                          <p:cTn id="4" fill="hold">
+                            <p:stCondLst>
+                              <p:cond delay="0"/>
+                            </p:stCondLst>
+                            <p:childTnLst>
+                              <p:par>
+                                <p:cTn id="5" presetID="1" presetClass="entr" presetSubtype="0" fill="hold" nodeType="clickEffect">
+                                  <p:stCondLst>
+                                    <p:cond delay="0"/>
+                                  </p:stCondLst>
+                                  <p:childTnLst>
+                                    <p:set>
+                                      <p:cBhvr>
+                                        <p:cTn id="6" dur="1" fill="hold">
+                                          <p:stCondLst>
+                                            <p:cond delay="0"/>
+                                          </p:stCondLst>
+                                        </p:cTn>
+                                        <p:tgtEl>
+                                          <p:spTgt spid="6"/>
+                                        </p:tgtEl>
+                                        <p:attrNameLst>
+                                          <p:attrName>style.visibility</p:attrName>
+                                        </p:attrNameLst>
+                                      </p:cBhvr>
+                                      <p:to>
+                                        <p:strVal val="visible"/>
+                                      </p:to>
+                                    </p:set>
+                                  </p:childTnLst>
+                                </p:cTn>
+                              </p:par>
+                            </p:childTnLst>
+                          </p:cTn>
+                        </p:par>
+                      </p:childTnLst>
+                    </p:cTn>
+                  </p:par>
+                </p:childTnLst>
+              </p:cTn>
+              <p:prevCondLst>
+                <p:cond evt="onPrev" delay="0">
+                  <p:tgtEl>
+                    <p:sldTgt/>
+                  </p:tgtEl>
+                </p:cond>
+              </p:prevCondLst>
+              <p:nextCondLst>
+                <p:cond evt="onNext" delay="0">
+                  <p:tgtEl>
+                    <p:sldTgt/>
+                  </p:tgtEl>
+                </p:cond>
+              </p:nextCondLst>
+            </p:seq>
+          </p:childTnLst>
+        </p:cTn>
+      </p:par>
+    </p:tnLst>
+  </p:timing>
+</p:sld>
+</file>
+
+<file path=ppt/slides/slide3.xml><?xml version="1.0" encoding="utf-8"?>
+<p:sld xmlns:a="http://schemas.openxmlformats.org/drawingml/2006/main" xmlns:r="http://schemas.openxmlformats.org/officeDocument/2006/relationships" xmlns:p="http://schemas.openxmlformats.org/presentationml/2006/main" showMasterSp="0">
+  <p:cSld>
+    <p:spTree>
+      <p:nvGrpSpPr>
+        <p:cNvPr id="1" name=""/>
+        <p:cNvGrpSpPr/>
+        <p:nvPr/>
+      </p:nvGrpSpPr>
+      <p:grpSpPr>
+        <a:xfrm>
+          <a:off x="0" y="0"/>
+          <a:ext cx="0" cy="0"/>
+          <a:chOff x="0" y="0"/>
+          <a:chExt cx="0" cy="0"/>
+        </a:xfrm>
+      </p:grpSpPr>
+      <p:sp>
+        <p:nvSpPr>
+          <p:cNvPr id="4" name="Footer Placeholder 3"/>
+          <p:cNvSpPr>
+            <a:spLocks noGrp="1"/>
+          </p:cNvSpPr>
+          <p:nvPr>
+            <p:ph type="ftr" sz="quarter" idx="10"/>
+          </p:nvPr>
+        </p:nvSpPr>
+        <p:spPr>
+          <a:xfrm>
+            <a:off x="0" y="6553200"/>
+            <a:ext cx="4648200" cy="304800"/>
+          </a:xfrm>
+        </p:spPr>
+        <p:txBody>
+          <a:bodyPr/>
+          <a:lstStyle/>
+          <a:p>
+            <a:r>
+              <a:rPr lang="en-US" dirty="0" smtClean="0"/>
+              <a:t>Age &amp; Growth R  ●  Kansas City, MO ●  20 August 2016</a:t>
+            </a:r>
+            <a:endParaRPr lang="en-US" dirty="0"/>
+          </a:p>
+        </p:txBody>
+      </p:sp>
+      <p:sp>
+        <p:nvSpPr>
+          <p:cNvPr id="409602" name="Rectangle 2"/>
+          <p:cNvSpPr>
+            <a:spLocks noGrp="1" noChangeArrowheads="1"/>
+          </p:cNvSpPr>
+          <p:nvPr>
+            <p:ph type="title"/>
+          </p:nvPr>
+        </p:nvSpPr>
+        <p:spPr/>
+        <p:txBody>
+          <a:bodyPr/>
+          <a:lstStyle/>
+          <a:p>
+            <a:r>
+              <a:rPr lang="en-US" dirty="0" smtClean="0"/>
+              <a:t>Length-At-Age </a:t>
+            </a:r>
+            <a:r>
+              <a:rPr lang="en-US" dirty="0"/>
+              <a:t>Models</a:t>
+            </a:r>
+          </a:p>
+        </p:txBody>
+      </p:sp>
+      <p:sp>
+        <p:nvSpPr>
+          <p:cNvPr id="409603" name="Rectangle 3"/>
+          <p:cNvSpPr>
+            <a:spLocks noGrp="1" noChangeArrowheads="1"/>
+          </p:cNvSpPr>
+          <p:nvPr>
+            <p:ph type="body" idx="1"/>
+          </p:nvPr>
+        </p:nvSpPr>
+        <p:spPr>
+          <a:xfrm>
+            <a:off x="304800" y="1143000"/>
+            <a:ext cx="8763000" cy="5562600"/>
+          </a:xfrm>
+        </p:spPr>
+        <p:txBody>
+          <a:bodyPr/>
+          <a:lstStyle/>
+          <a:p>
+            <a:r>
+              <a:rPr lang="en-US" b="1" dirty="0"/>
+              <a:t>Purposes</a:t>
+            </a:r>
+          </a:p>
+          <a:p>
+            <a:pPr lvl="1"/>
+            <a:r>
+              <a:rPr lang="en-US" dirty="0"/>
+              <a:t>Summarize growth with </a:t>
+            </a:r>
+            <a:r>
+              <a:rPr lang="en-US" dirty="0" smtClean="0"/>
+              <a:t>few </a:t>
+            </a:r>
+            <a:r>
+              <a:rPr lang="en-US" dirty="0"/>
+              <a:t>parameters.</a:t>
+            </a:r>
+          </a:p>
+          <a:p>
+            <a:pPr lvl="1"/>
+            <a:r>
+              <a:rPr lang="en-US" dirty="0" smtClean="0"/>
+              <a:t>Compare growth </a:t>
+            </a:r>
+            <a:r>
+              <a:rPr lang="en-US" dirty="0"/>
+              <a:t>parameters </a:t>
+            </a:r>
+            <a:r>
+              <a:rPr lang="en-US" dirty="0" smtClean="0"/>
+              <a:t>among </a:t>
+            </a:r>
+            <a:r>
+              <a:rPr lang="en-US" dirty="0"/>
+              <a:t>populations.</a:t>
+            </a:r>
+          </a:p>
+          <a:p>
+            <a:pPr lvl="1"/>
+            <a:r>
+              <a:rPr lang="en-US" dirty="0" smtClean="0"/>
+              <a:t>Results used </a:t>
+            </a:r>
+            <a:r>
+              <a:rPr lang="en-US" dirty="0" smtClean="0"/>
+              <a:t>in </a:t>
+            </a:r>
+            <a:r>
+              <a:rPr lang="en-US" dirty="0"/>
+              <a:t>key fisheries </a:t>
+            </a:r>
+            <a:r>
+              <a:rPr lang="en-US" dirty="0" smtClean="0"/>
+              <a:t>models, </a:t>
+            </a:r>
+            <a:r>
+              <a:rPr lang="en-US" dirty="0"/>
+              <a:t>such as </a:t>
+            </a:r>
+            <a:r>
+              <a:rPr lang="en-US" dirty="0" err="1"/>
+              <a:t>Beverton</a:t>
+            </a:r>
+            <a:r>
+              <a:rPr lang="en-US" dirty="0"/>
+              <a:t>-Holt yield models.</a:t>
+            </a:r>
+          </a:p>
+          <a:p>
+            <a:pPr lvl="1"/>
+            <a:endParaRPr lang="en-US" sz="1400" dirty="0"/>
+          </a:p>
+          <a:p>
+            <a:r>
+              <a:rPr lang="en-US" b="1" dirty="0"/>
+              <a:t>Main models</a:t>
+            </a:r>
+          </a:p>
+          <a:p>
+            <a:pPr lvl="1"/>
+            <a:r>
+              <a:rPr lang="en-US" dirty="0"/>
+              <a:t>Von </a:t>
+            </a:r>
+            <a:r>
+              <a:rPr lang="en-US" dirty="0" err="1"/>
+              <a:t>Bertalanffy</a:t>
+            </a:r>
+            <a:endParaRPr lang="en-US" dirty="0"/>
+          </a:p>
+          <a:p>
+            <a:pPr lvl="1"/>
+            <a:r>
+              <a:rPr lang="en-US" dirty="0" err="1" smtClean="0"/>
+              <a:t>Gompertz</a:t>
+            </a:r>
+            <a:endParaRPr lang="en-US" dirty="0" smtClean="0"/>
+          </a:p>
+          <a:p>
+            <a:pPr lvl="1"/>
+            <a:r>
+              <a:rPr lang="en-US" dirty="0" smtClean="0"/>
+              <a:t>Logistic</a:t>
+            </a:r>
+            <a:endParaRPr lang="en-US" dirty="0"/>
+          </a:p>
+          <a:p>
+            <a:pPr lvl="1"/>
+            <a:r>
+              <a:rPr lang="en-US" dirty="0" err="1"/>
+              <a:t>Schnute</a:t>
+            </a:r>
+            <a:endParaRPr lang="en-US" dirty="0"/>
+          </a:p>
+        </p:txBody>
+      </p:sp>
+    </p:spTree>
+  </p:cSld>
+  <p:clrMapOvr>
+    <a:masterClrMapping/>
+  </p:clrMapOvr>
+  <p:timing>
+    <p:tnLst>
+      <p:par>
+        <p:cTn id="1" dur="indefinite" restart="never" nodeType="tmRoot">
+          <p:childTnLst>
+            <p:seq concurrent="1" nextAc="seek">
+              <p:cTn id="2" dur="indefinite" nodeType="mainSeq">
+                <p:childTnLst>
+                  <p:par>
+                    <p:cTn id="3" fill="hold">
+                      <p:stCondLst>
+                        <p:cond delay="indefinite"/>
+                      </p:stCondLst>
+                      <p:childTnLst>
+                        <p:par>
+                          <p:cTn id="4" fill="hold">
+                            <p:stCondLst>
+                              <p:cond delay="0"/>
+                            </p:stCondLst>
+                            <p:childTnLst>
+                              <p:par>
+                                <p:cTn id="5" presetID="1" presetClass="entr" presetSubtype="0" fill="hold" grpId="0" nodeType="clickEffect">
+                                  <p:stCondLst>
+                                    <p:cond delay="0"/>
+                                  </p:stCondLst>
+                                  <p:childTnLst>
+                                    <p:set>
+                                      <p:cBhvr>
+                                        <p:cTn id="6" dur="1" fill="hold">
+                                          <p:stCondLst>
+                                            <p:cond delay="0"/>
+                                          </p:stCondLst>
+                                        </p:cTn>
+                                        <p:tgtEl>
+                                          <p:spTgt spid="409603">
+                                            <p:txEl>
+                                              <p:pRg st="5" end="5"/>
+                                            </p:txEl>
+                                          </p:spTgt>
+                                        </p:tgtEl>
+                                        <p:attrNameLst>
+                                          <p:attrName>style.visibility</p:attrName>
+                                        </p:attrNameLst>
+                                      </p:cBhvr>
+                                      <p:to>
+                                        <p:strVal val="visible"/>
+                                      </p:to>
+                                    </p:set>
+                                  </p:childTnLst>
+                                </p:cTn>
+                              </p:par>
+                              <p:par>
+                                <p:cTn id="7" presetID="1" presetClass="entr" presetSubtype="0" fill="hold" grpId="0" nodeType="withEffect">
+                                  <p:stCondLst>
+                                    <p:cond delay="0"/>
+                                  </p:stCondLst>
+                                  <p:childTnLst>
+                                    <p:set>
+                                      <p:cBhvr>
+                                        <p:cTn id="8" dur="1" fill="hold">
+                                          <p:stCondLst>
+                                            <p:cond delay="0"/>
+                                          </p:stCondLst>
+                                        </p:cTn>
+                                        <p:tgtEl>
+                                          <p:spTgt spid="409603">
+                                            <p:txEl>
+                                              <p:pRg st="6" end="6"/>
+                                            </p:txEl>
+                                          </p:spTgt>
+                                        </p:tgtEl>
+                                        <p:attrNameLst>
+                                          <p:attrName>style.visibility</p:attrName>
+                                        </p:attrNameLst>
+                                      </p:cBhvr>
+                                      <p:to>
+                                        <p:strVal val="visible"/>
+                                      </p:to>
+                                    </p:set>
+                                  </p:childTnLst>
+                                </p:cTn>
+                              </p:par>
+                              <p:par>
+                                <p:cTn id="9" presetID="1" presetClass="entr" presetSubtype="0" fill="hold" grpId="0" nodeType="withEffect">
+                                  <p:stCondLst>
+                                    <p:cond delay="0"/>
+                                  </p:stCondLst>
+                                  <p:childTnLst>
+                                    <p:set>
+                                      <p:cBhvr>
+                                        <p:cTn id="10" dur="1" fill="hold">
+                                          <p:stCondLst>
+                                            <p:cond delay="0"/>
+                                          </p:stCondLst>
+                                        </p:cTn>
+                                        <p:tgtEl>
+                                          <p:spTgt spid="409603">
+                                            <p:txEl>
+                                              <p:pRg st="7" end="7"/>
+                                            </p:txEl>
+                                          </p:spTgt>
+                                        </p:tgtEl>
+                                        <p:attrNameLst>
+                                          <p:attrName>style.visibility</p:attrName>
+                                        </p:attrNameLst>
+                                      </p:cBhvr>
+                                      <p:to>
+                                        <p:strVal val="visible"/>
+                                      </p:to>
+                                    </p:set>
+                                  </p:childTnLst>
+                                </p:cTn>
+                              </p:par>
+                              <p:par>
+                                <p:cTn id="11" presetID="1" presetClass="entr" presetSubtype="0" fill="hold" grpId="0" nodeType="withEffect">
+                                  <p:stCondLst>
+                                    <p:cond delay="0"/>
+                                  </p:stCondLst>
+                                  <p:childTnLst>
+                                    <p:set>
+                                      <p:cBhvr>
+                                        <p:cTn id="12" dur="1" fill="hold">
+                                          <p:stCondLst>
+                                            <p:cond delay="0"/>
+                                          </p:stCondLst>
+                                        </p:cTn>
+                                        <p:tgtEl>
+                                          <p:spTgt spid="409603">
+                                            <p:txEl>
+                                              <p:pRg st="8" end="8"/>
+                                            </p:txEl>
+                                          </p:spTgt>
+                                        </p:tgtEl>
+                                        <p:attrNameLst>
+                                          <p:attrName>style.visibility</p:attrName>
+                                        </p:attrNameLst>
+                                      </p:cBhvr>
+                                      <p:to>
+                                        <p:strVal val="visible"/>
+                                      </p:to>
+                                    </p:set>
+                                  </p:childTnLst>
+                                </p:cTn>
+                              </p:par>
+                              <p:par>
+                                <p:cTn id="13" presetID="1" presetClass="entr" presetSubtype="0" fill="hold" grpId="0" nodeType="withEffect">
+                                  <p:stCondLst>
+                                    <p:cond delay="0"/>
+                                  </p:stCondLst>
+                                  <p:childTnLst>
+                                    <p:set>
+                                      <p:cBhvr>
+                                        <p:cTn id="14" dur="1" fill="hold">
+                                          <p:stCondLst>
+                                            <p:cond delay="0"/>
+                                          </p:stCondLst>
+                                        </p:cTn>
+                                        <p:tgtEl>
+                                          <p:spTgt spid="409603">
+                                            <p:txEl>
+                                              <p:pRg st="9" end="9"/>
+                                            </p:txEl>
+                                          </p:spTgt>
+                                        </p:tgtEl>
+                                        <p:attrNameLst>
+                                          <p:attrName>style.visibility</p:attrName>
+                                        </p:attrNameLst>
+                                      </p:cBhvr>
+                                      <p:to>
+                                        <p:strVal val="visible"/>
+                                      </p:to>
+                                    </p:set>
+                                  </p:childTnLst>
+                                </p:cTn>
+                              </p:par>
+                            </p:childTnLst>
+                          </p:cTn>
+                        </p:par>
+                      </p:childTnLst>
+                    </p:cTn>
+                  </p:par>
+                </p:childTnLst>
+              </p:cTn>
+              <p:prevCondLst>
+                <p:cond evt="onPrev" delay="0">
+                  <p:tgtEl>
+                    <p:sldTgt/>
+                  </p:tgtEl>
+                </p:cond>
+              </p:prevCondLst>
+              <p:nextCondLst>
+                <p:cond evt="onNext" delay="0">
+                  <p:tgtEl>
+                    <p:sldTgt/>
+                  </p:tgtEl>
+                </p:cond>
+              </p:nextCondLst>
+            </p:seq>
+          </p:childTnLst>
+        </p:cTn>
+      </p:par>
+    </p:tnLst>
+    <p:bldLst>
+      <p:bldP spid="409603" grpId="0" uiExpand="1" build="p"/>
+    </p:bldLst>
+  </p:timing>
+</p:sld>
+</file>
+
+<file path=ppt/slides/slide4.xml><?xml version="1.0" encoding="utf-8"?>
+<p:sld xmlns:a="http://schemas.openxmlformats.org/drawingml/2006/main" xmlns:r="http://schemas.openxmlformats.org/officeDocument/2006/relationships" xmlns:p="http://schemas.openxmlformats.org/presentationml/2006/main" showMasterSp="0">
+  <p:cSld>
+    <p:spTree>
+      <p:nvGrpSpPr>
+        <p:cNvPr id="1" name=""/>
+        <p:cNvGrpSpPr/>
+        <p:nvPr/>
+      </p:nvGrpSpPr>
+      <p:grpSpPr>
+        <a:xfrm>
+          <a:off x="0" y="0"/>
+          <a:ext cx="0" cy="0"/>
+          <a:chOff x="0" y="0"/>
+          <a:chExt cx="0" cy="0"/>
+        </a:xfrm>
+      </p:grpSpPr>
+      <p:sp>
+        <p:nvSpPr>
+          <p:cNvPr id="5" name="Footer Placeholder 3"/>
+          <p:cNvSpPr>
+            <a:spLocks noGrp="1"/>
+          </p:cNvSpPr>
+          <p:nvPr>
+            <p:ph type="ftr" sz="quarter" idx="10"/>
+          </p:nvPr>
+        </p:nvSpPr>
+        <p:spPr>
+          <a:xfrm>
+            <a:off x="0" y="6553200"/>
+            <a:ext cx="4648200" cy="304800"/>
+          </a:xfrm>
+        </p:spPr>
+        <p:txBody>
+          <a:bodyPr/>
+          <a:lstStyle/>
+          <a:p>
+            <a:r>
+              <a:rPr lang="en-US" dirty="0" smtClean="0"/>
+              <a:t>Age &amp; Growth R  ●  Kansas City, MO ●  20 August 2016</a:t>
+            </a:r>
+            <a:endParaRPr lang="en-US" dirty="0"/>
+          </a:p>
+        </p:txBody>
+      </p:sp>
+      <p:sp>
+        <p:nvSpPr>
+          <p:cNvPr id="418818" name="Rectangle 2"/>
+          <p:cNvSpPr>
+            <a:spLocks noGrp="1" noChangeArrowheads="1"/>
+          </p:cNvSpPr>
+          <p:nvPr>
+            <p:ph type="title"/>
+          </p:nvPr>
+        </p:nvSpPr>
+        <p:spPr/>
+        <p:txBody>
+          <a:bodyPr/>
+          <a:lstStyle/>
+          <a:p>
+            <a:r>
+              <a:rPr lang="en-US" dirty="0"/>
+              <a:t>Von Bertalanffy </a:t>
+            </a:r>
+            <a:r>
+              <a:rPr lang="en-US" dirty="0" smtClean="0"/>
+              <a:t>– Typical</a:t>
+            </a:r>
+            <a:endParaRPr lang="en-US" dirty="0"/>
+          </a:p>
+        </p:txBody>
+      </p:sp>
+      <p:sp>
+        <p:nvSpPr>
+          <p:cNvPr id="418819" name="Rectangle 3"/>
+          <p:cNvSpPr>
+            <a:spLocks noGrp="1" noChangeArrowheads="1"/>
+          </p:cNvSpPr>
+          <p:nvPr>
+            <p:ph type="body" idx="1"/>
+          </p:nvPr>
+        </p:nvSpPr>
+        <p:spPr>
+          <a:xfrm>
+            <a:off x="76200" y="2971800"/>
+            <a:ext cx="8991600" cy="3276600"/>
+          </a:xfrm>
+        </p:spPr>
+        <p:txBody>
+          <a:bodyPr/>
+          <a:lstStyle/>
+          <a:p>
+            <a:pPr>
+              <a:lnSpc>
+                <a:spcPct val="90000"/>
+              </a:lnSpc>
+            </a:pPr>
+            <a:r>
+              <a:rPr lang="en-US" b="1" dirty="0" smtClean="0"/>
+              <a:t>L</a:t>
+            </a:r>
+            <a:r>
+              <a:rPr lang="en-US" b="1" baseline="-25000" dirty="0">
+                <a:cs typeface="Arial" charset="0"/>
+              </a:rPr>
+              <a:t>∞</a:t>
+            </a:r>
+            <a:r>
+              <a:rPr lang="en-US" dirty="0"/>
+              <a:t> = asymptotic mean </a:t>
+            </a:r>
+            <a:r>
+              <a:rPr lang="en-US" dirty="0" smtClean="0"/>
+              <a:t>length</a:t>
+            </a:r>
+          </a:p>
+          <a:p>
+            <a:pPr>
+              <a:lnSpc>
+                <a:spcPct val="90000"/>
+              </a:lnSpc>
+            </a:pPr>
+            <a:endParaRPr lang="en-US" sz="1600" dirty="0"/>
+          </a:p>
+          <a:p>
+            <a:pPr>
+              <a:lnSpc>
+                <a:spcPct val="90000"/>
+              </a:lnSpc>
+            </a:pPr>
+            <a:r>
+              <a:rPr lang="en-US" b="1" dirty="0"/>
+              <a:t>t</a:t>
+            </a:r>
+            <a:r>
+              <a:rPr lang="en-US" b="1" baseline="-25000" dirty="0"/>
+              <a:t>o</a:t>
+            </a:r>
+            <a:r>
+              <a:rPr lang="en-US" dirty="0"/>
+              <a:t> = time when mean length is 0 (artifact</a:t>
+            </a:r>
+            <a:r>
+              <a:rPr lang="en-US" dirty="0" smtClean="0"/>
+              <a:t>)</a:t>
+            </a:r>
+            <a:endParaRPr lang="en-US" dirty="0"/>
+          </a:p>
+        </p:txBody>
+      </p:sp>
+      <p:pic>
+        <p:nvPicPr>
+          <p:cNvPr id="418820" name="Picture 4"/>
+          <p:cNvPicPr>
+            <a:picLocks noChangeAspect="1" noChangeArrowheads="1"/>
+          </p:cNvPicPr>
+          <p:nvPr/>
+        </p:nvPicPr>
+        <p:blipFill>
+          <a:blip r:embed="rId2"/>
+          <a:srcRect/>
+          <a:stretch>
+            <a:fillRect/>
+          </a:stretch>
+        </p:blipFill>
+        <p:spPr bwMode="auto">
+          <a:xfrm>
+            <a:off x="1143000" y="1427885"/>
+            <a:ext cx="6858000" cy="1086715"/>
+          </a:xfrm>
+          <a:prstGeom prst="rect">
+            <a:avLst/>
+          </a:prstGeom>
+          <a:noFill/>
+          <a:ln w="9525">
+            <a:noFill/>
+            <a:miter lim="800000"/>
+            <a:headEnd/>
+            <a:tailEnd/>
+          </a:ln>
+          <a:effectLst/>
+        </p:spPr>
+      </p:pic>
+    </p:spTree>
+  </p:cSld>
+  <p:clrMapOvr>
+    <a:masterClrMapping/>
+  </p:clrMapOvr>
+  <p:timing>
+    <p:tnLst>
+      <p:par>
+        <p:cTn id="1" dur="indefinite" restart="never" nodeType="tmRoot">
+          <p:childTnLst>
+            <p:seq concurrent="1" nextAc="seek">
+              <p:cTn id="2" dur="indefinite" nodeType="mainSeq">
+                <p:childTnLst>
+                  <p:par>
+                    <p:cTn id="3" fill="hold">
+                      <p:stCondLst>
+                        <p:cond delay="indefinite"/>
+                      </p:stCondLst>
+                      <p:childTnLst>
+                        <p:par>
+                          <p:cTn id="4" fill="hold">
+                            <p:stCondLst>
+                              <p:cond delay="0"/>
+                            </p:stCondLst>
+                            <p:childTnLst>
+                              <p:par>
+                                <p:cTn id="5" presetID="1" presetClass="entr" presetSubtype="0" fill="hold" grpId="0" nodeType="clickEffect">
+                                  <p:stCondLst>
+                                    <p:cond delay="0"/>
+                                  </p:stCondLst>
+                                  <p:childTnLst>
+                                    <p:set>
+                                      <p:cBhvr>
+                                        <p:cTn id="6" dur="1" fill="hold">
+                                          <p:stCondLst>
+                                            <p:cond delay="0"/>
+                                          </p:stCondLst>
+                                        </p:cTn>
+                                        <p:tgtEl>
+                                          <p:spTgt spid="418819">
+                                            <p:txEl>
+                                              <p:pRg st="0" end="0"/>
+                                            </p:txEl>
+                                          </p:spTgt>
+                                        </p:tgtEl>
+                                        <p:attrNameLst>
+                                          <p:attrName>style.visibility</p:attrName>
+                                        </p:attrNameLst>
+                                      </p:cBhvr>
+                                      <p:to>
+                                        <p:strVal val="visible"/>
+                                      </p:to>
+                                    </p:set>
+                                  </p:childTnLst>
+                                </p:cTn>
+                              </p:par>
+                            </p:childTnLst>
+                          </p:cTn>
+                        </p:par>
+                      </p:childTnLst>
+                    </p:cTn>
+                  </p:par>
+                  <p:par>
+                    <p:cTn id="7" fill="hold">
+                      <p:stCondLst>
+                        <p:cond delay="indefinite"/>
+                      </p:stCondLst>
+                      <p:childTnLst>
+                        <p:par>
+                          <p:cTn id="8" fill="hold">
+                            <p:stCondLst>
+                              <p:cond delay="0"/>
+                            </p:stCondLst>
+                            <p:childTnLst>
+                              <p:par>
+                                <p:cTn id="9" presetID="1" presetClass="entr" presetSubtype="0" fill="hold" grpId="0" nodeType="clickEffect">
+                                  <p:stCondLst>
+                                    <p:cond delay="0"/>
+                                  </p:stCondLst>
+                                  <p:childTnLst>
+                                    <p:set>
+                                      <p:cBhvr>
+                                        <p:cTn id="10" dur="1" fill="hold">
+                                          <p:stCondLst>
+                                            <p:cond delay="0"/>
+                                          </p:stCondLst>
+                                        </p:cTn>
+                                        <p:tgtEl>
+                                          <p:spTgt spid="418819">
+                                            <p:txEl>
+                                              <p:pRg st="2" end="2"/>
+                                            </p:txEl>
+                                          </p:spTgt>
+                                        </p:tgtEl>
+                                        <p:attrNameLst>
+                                          <p:attrName>style.visibility</p:attrName>
+                                        </p:attrNameLst>
+                                      </p:cBhvr>
+                                      <p:to>
+                                        <p:strVal val="visible"/>
+                                      </p:to>
+                                    </p:set>
+                                  </p:childTnLst>
+                                </p:cTn>
+                              </p:par>
+                            </p:childTnLst>
+                          </p:cTn>
+                        </p:par>
+                      </p:childTnLst>
+                    </p:cTn>
+                  </p:par>
+                </p:childTnLst>
+              </p:cTn>
+              <p:prevCondLst>
+                <p:cond evt="onPrev" delay="0">
+                  <p:tgtEl>
+                    <p:sldTgt/>
+                  </p:tgtEl>
+                </p:cond>
+              </p:prevCondLst>
+              <p:nextCondLst>
+                <p:cond evt="onNext" delay="0">
+                  <p:tgtEl>
+                    <p:sldTgt/>
+                  </p:tgtEl>
+                </p:cond>
+              </p:nextCondLst>
+            </p:seq>
+          </p:childTnLst>
+        </p:cTn>
+      </p:par>
+    </p:tnLst>
+    <p:bldLst>
+      <p:bldP spid="418819" grpId="0" uiExpand="1" build="p"/>
+    </p:bldLst>
+  </p:timing>
+</p:sld>
+</file>
+
+<file path=ppt/slides/slide5.xml><?xml version="1.0" encoding="utf-8"?>
+<p:sld xmlns:a="http://schemas.openxmlformats.org/drawingml/2006/main" xmlns:r="http://schemas.openxmlformats.org/officeDocument/2006/relationships" xmlns:p="http://schemas.openxmlformats.org/presentationml/2006/main" showMasterSp="0">
+  <p:cSld>
+    <p:spTree>
+      <p:nvGrpSpPr>
+        <p:cNvPr id="1" name=""/>
+        <p:cNvGrpSpPr/>
+        <p:nvPr/>
+      </p:nvGrpSpPr>
+      <p:grpSpPr>
+        <a:xfrm>
+          <a:off x="0" y="0"/>
+          <a:ext cx="0" cy="0"/>
+          <a:chOff x="0" y="0"/>
+          <a:chExt cx="0" cy="0"/>
+        </a:xfrm>
+      </p:grpSpPr>
+      <p:sp>
+        <p:nvSpPr>
+          <p:cNvPr id="4" name="Footer Placeholder 3"/>
+          <p:cNvSpPr>
+            <a:spLocks noGrp="1"/>
+          </p:cNvSpPr>
+          <p:nvPr>
+            <p:ph type="ftr" sz="quarter" idx="10"/>
+          </p:nvPr>
+        </p:nvSpPr>
+        <p:spPr>
+          <a:xfrm>
+            <a:off x="0" y="6553200"/>
+            <a:ext cx="4648200" cy="304800"/>
+          </a:xfrm>
+        </p:spPr>
+        <p:txBody>
+          <a:bodyPr/>
+          <a:lstStyle/>
+          <a:p>
+            <a:r>
+              <a:rPr lang="en-US" dirty="0" smtClean="0"/>
+              <a:t>Age &amp; Growth R  ●  Kansas City, MO ●  20 August 2016</a:t>
+            </a:r>
+            <a:endParaRPr lang="en-US" dirty="0"/>
+          </a:p>
+        </p:txBody>
+      </p:sp>
+      <p:sp>
+        <p:nvSpPr>
+          <p:cNvPr id="416770" name="Rectangle 2"/>
+          <p:cNvSpPr>
+            <a:spLocks noGrp="1" noChangeArrowheads="1"/>
+          </p:cNvSpPr>
+          <p:nvPr>
+            <p:ph type="title"/>
+          </p:nvPr>
+        </p:nvSpPr>
+        <p:spPr/>
+        <p:txBody>
+          <a:bodyPr/>
+          <a:lstStyle/>
+          <a:p>
+            <a:r>
+              <a:rPr lang="en-US" dirty="0"/>
+              <a:t>Von Bertalanffy – Typical</a:t>
+            </a:r>
+          </a:p>
+        </p:txBody>
+      </p:sp>
+      <p:pic>
+        <p:nvPicPr>
+          <p:cNvPr id="2" name="Picture 1"/>
+          <p:cNvPicPr>
+            <a:picLocks noChangeAspect="1"/>
+          </p:cNvPicPr>
+          <p:nvPr/>
+        </p:nvPicPr>
+        <p:blipFill>
+          <a:blip r:embed="rId3"/>
+          <a:stretch>
+            <a:fillRect/>
+          </a:stretch>
+        </p:blipFill>
+        <p:spPr>
+          <a:xfrm>
+            <a:off x="2047875" y="1200150"/>
+            <a:ext cx="5048250" cy="5048250"/>
+          </a:xfrm>
+          <a:prstGeom prst="rect">
+            <a:avLst/>
+          </a:prstGeom>
+        </p:spPr>
+      </p:pic>
+    </p:spTree>
+  </p:cSld>
+  <p:clrMapOvr>
+    <a:masterClrMapping/>
+  </p:clrMapOvr>
+  <p:timing>
+    <p:tnLst>
+      <p:par>
+        <p:cTn id="1" dur="indefinite" restart="never" nodeType="tmRoot"/>
+      </p:par>
+    </p:tnLst>
+  </p:timing>
+</p:sld>
+</file>
+
+<file path=ppt/slides/slide6.xml><?xml version="1.0" encoding="utf-8"?>
+<p:sld xmlns:a="http://schemas.openxmlformats.org/drawingml/2006/main" xmlns:r="http://schemas.openxmlformats.org/officeDocument/2006/relationships" xmlns:p="http://schemas.openxmlformats.org/presentationml/2006/main">
+  <p:cSld>
+    <p:spTree>
+      <p:nvGrpSpPr>
+        <p:cNvPr id="1" name=""/>
+        <p:cNvGrpSpPr/>
+        <p:nvPr/>
+      </p:nvGrpSpPr>
+      <p:grpSpPr>
+        <a:xfrm>
+          <a:off x="0" y="0"/>
+          <a:ext cx="0" cy="0"/>
+          <a:chOff x="0" y="0"/>
+          <a:chExt cx="0" cy="0"/>
+        </a:xfrm>
+      </p:grpSpPr>
+      <p:sp>
+        <p:nvSpPr>
+          <p:cNvPr id="5" name="Footer Placeholder 3"/>
+          <p:cNvSpPr>
+            <a:spLocks noGrp="1"/>
+          </p:cNvSpPr>
+          <p:nvPr>
+            <p:ph type="ftr" sz="quarter" idx="10"/>
+          </p:nvPr>
+        </p:nvSpPr>
+        <p:spPr>
+          <a:xfrm>
+            <a:off x="0" y="6553200"/>
+            <a:ext cx="4648200" cy="304800"/>
+          </a:xfrm>
+        </p:spPr>
+        <p:txBody>
+          <a:bodyPr/>
+          <a:lstStyle/>
+          <a:p>
+            <a:r>
+              <a:rPr lang="en-US" dirty="0" smtClean="0"/>
+              <a:t>Age &amp; Growth R  ●  Kansas City, MO ●  20 August 2016</a:t>
+            </a:r>
+            <a:endParaRPr lang="en-US" dirty="0"/>
+          </a:p>
+        </p:txBody>
+      </p:sp>
+      <p:sp>
+        <p:nvSpPr>
+          <p:cNvPr id="418818" name="Rectangle 2"/>
+          <p:cNvSpPr>
+            <a:spLocks noGrp="1" noChangeArrowheads="1"/>
+          </p:cNvSpPr>
+          <p:nvPr>
+            <p:ph type="title"/>
+          </p:nvPr>
+        </p:nvSpPr>
+        <p:spPr/>
+        <p:txBody>
+          <a:bodyPr/>
+          <a:lstStyle/>
+          <a:p>
+            <a:r>
+              <a:rPr lang="en-US" dirty="0"/>
+              <a:t>Von Bertalanffy </a:t>
+            </a:r>
+            <a:r>
+              <a:rPr lang="en-US" dirty="0" smtClean="0"/>
+              <a:t>– Typical</a:t>
+            </a:r>
+            <a:endParaRPr lang="en-US" dirty="0"/>
+          </a:p>
+        </p:txBody>
+      </p:sp>
+      <p:sp>
+        <p:nvSpPr>
+          <p:cNvPr id="418819" name="Rectangle 3"/>
+          <p:cNvSpPr>
+            <a:spLocks noGrp="1" noChangeArrowheads="1"/>
+          </p:cNvSpPr>
+          <p:nvPr>
+            <p:ph type="body" idx="1"/>
+          </p:nvPr>
+        </p:nvSpPr>
+        <p:spPr>
+          <a:xfrm>
+            <a:off x="76200" y="2971800"/>
+            <a:ext cx="8991600" cy="3276600"/>
+          </a:xfrm>
+        </p:spPr>
+        <p:txBody>
+          <a:bodyPr/>
+          <a:lstStyle/>
+          <a:p>
+            <a:pPr>
+              <a:lnSpc>
+                <a:spcPct val="90000"/>
+              </a:lnSpc>
+            </a:pPr>
+            <a:r>
+              <a:rPr lang="en-US" b="1" dirty="0" smtClean="0"/>
+              <a:t>L</a:t>
+            </a:r>
+            <a:r>
+              <a:rPr lang="en-US" b="1" baseline="-25000" dirty="0">
+                <a:cs typeface="Arial" charset="0"/>
+              </a:rPr>
+              <a:t>∞</a:t>
+            </a:r>
+            <a:r>
+              <a:rPr lang="en-US" dirty="0"/>
+              <a:t> = asymptotic mean </a:t>
+            </a:r>
+            <a:r>
+              <a:rPr lang="en-US" dirty="0" smtClean="0"/>
+              <a:t>length</a:t>
+            </a:r>
+          </a:p>
+          <a:p>
+            <a:pPr>
+              <a:lnSpc>
+                <a:spcPct val="90000"/>
+              </a:lnSpc>
+            </a:pPr>
+            <a:endParaRPr lang="en-US" sz="1600" dirty="0"/>
+          </a:p>
+          <a:p>
+            <a:pPr>
+              <a:lnSpc>
+                <a:spcPct val="90000"/>
+              </a:lnSpc>
+            </a:pPr>
+            <a:r>
+              <a:rPr lang="en-US" b="1" dirty="0"/>
+              <a:t>t</a:t>
+            </a:r>
+            <a:r>
+              <a:rPr lang="en-US" b="1" baseline="-25000" dirty="0"/>
+              <a:t>o</a:t>
+            </a:r>
+            <a:r>
+              <a:rPr lang="en-US" dirty="0"/>
+              <a:t> = time when mean length is 0 (artifact</a:t>
+            </a:r>
+            <a:r>
+              <a:rPr lang="en-US" dirty="0" smtClean="0"/>
+              <a:t>)</a:t>
+            </a:r>
+          </a:p>
+          <a:p>
+            <a:pPr marL="0" indent="0">
+              <a:lnSpc>
+                <a:spcPct val="90000"/>
+              </a:lnSpc>
+              <a:buNone/>
+            </a:pPr>
+            <a:endParaRPr lang="en-US" sz="1600" dirty="0"/>
+          </a:p>
+          <a:p>
+            <a:pPr>
+              <a:lnSpc>
+                <a:spcPct val="90000"/>
+              </a:lnSpc>
+            </a:pPr>
+            <a:r>
+              <a:rPr lang="en-US" b="1" dirty="0" smtClean="0"/>
+              <a:t>K</a:t>
+            </a:r>
+            <a:r>
+              <a:rPr lang="en-US" dirty="0" smtClean="0"/>
+              <a:t> </a:t>
+            </a:r>
+            <a:r>
+              <a:rPr lang="en-US" dirty="0"/>
+              <a:t>= Brody “growth” coefficient</a:t>
+            </a:r>
+          </a:p>
+          <a:p>
+            <a:pPr lvl="1">
+              <a:lnSpc>
+                <a:spcPct val="90000"/>
+              </a:lnSpc>
+            </a:pPr>
+            <a:r>
+              <a:rPr lang="en-US" dirty="0"/>
+              <a:t>C</a:t>
+            </a:r>
+            <a:r>
+              <a:rPr lang="en-US" dirty="0" smtClean="0"/>
+              <a:t>ontrols </a:t>
+            </a:r>
+            <a:r>
+              <a:rPr lang="en-US" dirty="0"/>
+              <a:t>“curvature” of </a:t>
+            </a:r>
+            <a:r>
+              <a:rPr lang="en-US" dirty="0" smtClean="0"/>
+              <a:t>the </a:t>
+            </a:r>
+            <a:r>
+              <a:rPr lang="en-US" dirty="0" smtClean="0"/>
+              <a:t>model</a:t>
+            </a:r>
+          </a:p>
+          <a:p>
+            <a:pPr lvl="1">
+              <a:lnSpc>
+                <a:spcPct val="90000"/>
+              </a:lnSpc>
+            </a:pPr>
+            <a:r>
+              <a:rPr lang="en-US" dirty="0" smtClean="0"/>
+              <a:t>Rate at which E[</a:t>
+            </a:r>
+            <a:r>
+              <a:rPr lang="en-US" dirty="0" err="1" smtClean="0"/>
+              <a:t>L|t</a:t>
+            </a:r>
+            <a:r>
+              <a:rPr lang="en-US" dirty="0" smtClean="0"/>
+              <a:t>] approaches </a:t>
+            </a:r>
+            <a:r>
+              <a:rPr lang="en-US" dirty="0"/>
+              <a:t>L</a:t>
+            </a:r>
+            <a:r>
+              <a:rPr lang="en-US" baseline="-25000" dirty="0">
+                <a:cs typeface="Arial" charset="0"/>
+              </a:rPr>
+              <a:t>∞</a:t>
+            </a:r>
+            <a:endParaRPr lang="en-US" dirty="0"/>
+          </a:p>
+          <a:p>
+            <a:pPr lvl="1">
+              <a:lnSpc>
+                <a:spcPct val="90000"/>
+              </a:lnSpc>
+            </a:pPr>
+            <a:r>
+              <a:rPr lang="en-US" dirty="0" smtClean="0"/>
+              <a:t>log(2)/K is “half-life”</a:t>
+            </a:r>
+          </a:p>
+          <a:p>
+            <a:pPr lvl="1">
+              <a:lnSpc>
+                <a:spcPct val="90000"/>
+              </a:lnSpc>
+            </a:pPr>
+            <a:endParaRPr lang="en-US" sz="1600" dirty="0"/>
+          </a:p>
+        </p:txBody>
+      </p:sp>
+      <p:pic>
+        <p:nvPicPr>
+          <p:cNvPr id="418820" name="Picture 4"/>
+          <p:cNvPicPr>
+            <a:picLocks noChangeAspect="1" noChangeArrowheads="1"/>
+          </p:cNvPicPr>
+          <p:nvPr/>
+        </p:nvPicPr>
+        <p:blipFill>
+          <a:blip r:embed="rId3"/>
+          <a:srcRect/>
+          <a:stretch>
+            <a:fillRect/>
+          </a:stretch>
+        </p:blipFill>
+        <p:spPr bwMode="auto">
+          <a:xfrm>
+            <a:off x="1143000" y="1427885"/>
+            <a:ext cx="6858000" cy="1086715"/>
+          </a:xfrm>
+          <a:prstGeom prst="rect">
+            <a:avLst/>
+          </a:prstGeom>
+          <a:noFill/>
+          <a:ln w="9525">
+            <a:noFill/>
+            <a:miter lim="800000"/>
+            <a:headEnd/>
+            <a:tailEnd/>
+          </a:ln>
+          <a:effectLst/>
+        </p:spPr>
+      </p:pic>
+    </p:spTree>
+    <p:extLst>
+      <p:ext uri="{BB962C8B-B14F-4D97-AF65-F5344CB8AC3E}">
+        <p14:creationId xmlns:p14="http://schemas.microsoft.com/office/powerpoint/2010/main" val="1905461341"/>
+      </p:ext>
+    </p:extLst>
+  </p:cSld>
+  <p:clrMapOvr>
+    <a:masterClrMapping/>
+  </p:clrMapOvr>
+  <p:timing>
+    <p:tnLst>
+      <p:par>
+        <p:cTn id="1" dur="indefinite" restart="never" nodeType="tmRoot"/>
+      </p:par>
+    </p:tnLst>
+  </p:timing>
+</p:sld>
+</file>
+
+<file path=ppt/slides/slide7.xml><?xml version="1.0" encoding="utf-8"?>
+<p:sld xmlns:a="http://schemas.openxmlformats.org/drawingml/2006/main" xmlns:r="http://schemas.openxmlformats.org/officeDocument/2006/relationships" xmlns:p="http://schemas.openxmlformats.org/presentationml/2006/main">
+  <p:cSld>
+    <p:spTree>
+      <p:nvGrpSpPr>
+        <p:cNvPr id="1" name=""/>
+        <p:cNvGrpSpPr/>
+        <p:nvPr/>
+      </p:nvGrpSpPr>
+      <p:grpSpPr>
+        <a:xfrm>
+          <a:off x="0" y="0"/>
+          <a:ext cx="0" cy="0"/>
+          <a:chOff x="0" y="0"/>
+          <a:chExt cx="0" cy="0"/>
+        </a:xfrm>
+      </p:grpSpPr>
+      <p:sp>
+        <p:nvSpPr>
+          <p:cNvPr id="416770" name="Rectangle 2"/>
+          <p:cNvSpPr>
+            <a:spLocks noGrp="1" noChangeArrowheads="1"/>
+          </p:cNvSpPr>
+          <p:nvPr>
+            <p:ph type="title"/>
+          </p:nvPr>
+        </p:nvSpPr>
+        <p:spPr>
+          <a:xfrm>
+            <a:off x="457200" y="0"/>
+            <a:ext cx="8229600" cy="1143000"/>
+          </a:xfrm>
+        </p:spPr>
+        <p:txBody>
+          <a:bodyPr/>
+          <a:lstStyle/>
+          <a:p>
+            <a:r>
+              <a:rPr lang="en-US" dirty="0"/>
+              <a:t>Von Bertalanffy – Typical</a:t>
+            </a:r>
+          </a:p>
+        </p:txBody>
+      </p:sp>
+      <p:pic>
+        <p:nvPicPr>
+          <p:cNvPr id="4" name="Picture 3"/>
+          <p:cNvPicPr>
+            <a:picLocks noChangeAspect="1"/>
+          </p:cNvPicPr>
+          <p:nvPr/>
+        </p:nvPicPr>
+        <p:blipFill>
+          <a:blip r:embed="rId3"/>
+          <a:stretch>
+            <a:fillRect/>
+          </a:stretch>
+        </p:blipFill>
+        <p:spPr>
+          <a:xfrm>
+            <a:off x="19050" y="1447799"/>
+            <a:ext cx="4514850" cy="4505325"/>
+          </a:xfrm>
+          <a:prstGeom prst="rect">
+            <a:avLst/>
+          </a:prstGeom>
+        </p:spPr>
+      </p:pic>
+      <p:pic>
+        <p:nvPicPr>
+          <p:cNvPr id="7" name="Picture 6"/>
+          <p:cNvPicPr>
+            <a:picLocks noChangeAspect="1"/>
+          </p:cNvPicPr>
+          <p:nvPr/>
+        </p:nvPicPr>
+        <p:blipFill>
+          <a:blip r:embed="rId4"/>
+          <a:stretch>
+            <a:fillRect/>
+          </a:stretch>
+        </p:blipFill>
+        <p:spPr>
+          <a:xfrm>
+            <a:off x="4676775" y="1471612"/>
+            <a:ext cx="4448175" cy="4457700"/>
+          </a:xfrm>
+          <a:prstGeom prst="rect">
+            <a:avLst/>
+          </a:prstGeom>
+        </p:spPr>
+      </p:pic>
+      <p:sp>
+        <p:nvSpPr>
+          <p:cNvPr id="2" name="Footer Placeholder 1"/>
+          <p:cNvSpPr>
+            <a:spLocks noGrp="1"/>
+          </p:cNvSpPr>
+          <p:nvPr>
+            <p:ph type="ftr" sz="quarter" idx="10"/>
+          </p:nvPr>
+        </p:nvSpPr>
+        <p:spPr/>
+        <p:txBody>
+          <a:bodyPr/>
+          <a:lstStyle/>
+          <a:p>
+            <a:r>
+              <a:rPr lang="en-US" smtClean="0"/>
+              <a:t>Age &amp; Growth R  ●  Kansas City, MO ●  20 August 2016</a:t>
+            </a:r>
+            <a:endParaRPr lang="en-US" dirty="0"/>
+          </a:p>
+        </p:txBody>
+      </p:sp>
+    </p:spTree>
+    <p:extLst>
+      <p:ext uri="{BB962C8B-B14F-4D97-AF65-F5344CB8AC3E}">
+        <p14:creationId xmlns:p14="http://schemas.microsoft.com/office/powerpoint/2010/main" val="1147880321"/>
+      </p:ext>
+    </p:extLst>
+  </p:cSld>
+  <p:clrMapOvr>
+    <a:masterClrMapping/>
+  </p:clrMapOvr>
+  <p:timing>
+    <p:tnLst>
+      <p:par>
+        <p:cTn id="1" dur="indefinite" restart="never" nodeType="tmRoot">
+          <p:childTnLst>
+            <p:seq concurrent="1" nextAc="seek">
+              <p:cTn id="2" dur="indefinite" nodeType="mainSeq">
+                <p:childTnLst>
+                  <p:par>
+                    <p:cTn id="3" fill="hold">
+                      <p:stCondLst>
+                        <p:cond delay="indefinite"/>
+                      </p:stCondLst>
+                      <p:childTnLst>
+                        <p:par>
+                          <p:cTn id="4" fill="hold">
+                            <p:stCondLst>
+                              <p:cond delay="0"/>
+                            </p:stCondLst>
+                            <p:childTnLst>
+                              <p:par>
+                                <p:cTn id="5" presetID="1" presetClass="entr" presetSubtype="0" fill="hold" nodeType="clickEffect">
+                                  <p:stCondLst>
+                                    <p:cond delay="0"/>
+                                  </p:stCondLst>
+                                  <p:childTnLst>
+                                    <p:set>
+                                      <p:cBhvr>
+                                        <p:cTn id="6" dur="1" fill="hold">
+                                          <p:stCondLst>
+                                            <p:cond delay="0"/>
+                                          </p:stCondLst>
+                                        </p:cTn>
+                                        <p:tgtEl>
+                                          <p:spTgt spid="7"/>
+                                        </p:tgtEl>
+                                        <p:attrNameLst>
+                                          <p:attrName>style.visibility</p:attrName>
+                                        </p:attrNameLst>
+                                      </p:cBhvr>
+                                      <p:to>
+                                        <p:strVal val="visible"/>
+                                      </p:to>
+                                    </p:set>
+                                  </p:childTnLst>
+                                </p:cTn>
+                              </p:par>
+                            </p:childTnLst>
+                          </p:cTn>
+                        </p:par>
+                      </p:childTnLst>
+                    </p:cTn>
+                  </p:par>
+                </p:childTnLst>
+              </p:cTn>
+              <p:prevCondLst>
+                <p:cond evt="onPrev" delay="0">
+                  <p:tgtEl>
+                    <p:sldTgt/>
+                  </p:tgtEl>
+                </p:cond>
+              </p:prevCondLst>
+              <p:nextCondLst>
+                <p:cond evt="onNext" delay="0">
+                  <p:tgtEl>
+                    <p:sldTgt/>
+                  </p:tgtEl>
+                </p:cond>
+              </p:nextCondLst>
+            </p:seq>
+          </p:childTnLst>
+        </p:cTn>
+      </p:par>
+    </p:tnLst>
+  </p:timing>
+</p:sld>
+</file>
+
+<file path=ppt/slides/slide8.xml><?xml version="1.0" encoding="utf-8"?>
+<p:sld xmlns:a="http://schemas.openxmlformats.org/drawingml/2006/main" xmlns:r="http://schemas.openxmlformats.org/officeDocument/2006/relationships" xmlns:p="http://schemas.openxmlformats.org/presentationml/2006/main">
+  <p:cSld>
+    <p:spTree>
+      <p:nvGrpSpPr>
+        <p:cNvPr id="1" name=""/>
+        <p:cNvGrpSpPr/>
+        <p:nvPr/>
+      </p:nvGrpSpPr>
+      <p:grpSpPr>
+        <a:xfrm>
+          <a:off x="0" y="0"/>
+          <a:ext cx="0" cy="0"/>
+          <a:chOff x="0" y="0"/>
+          <a:chExt cx="0" cy="0"/>
+        </a:xfrm>
+      </p:grpSpPr>
+      <p:sp>
+        <p:nvSpPr>
+          <p:cNvPr id="2" name="Title 1"/>
+          <p:cNvSpPr>
+            <a:spLocks noGrp="1"/>
+          </p:cNvSpPr>
+          <p:nvPr>
+            <p:ph type="title"/>
+          </p:nvPr>
+        </p:nvSpPr>
+        <p:spPr>
+          <a:xfrm>
+            <a:off x="457200" y="0"/>
+            <a:ext cx="8229600" cy="1143000"/>
+          </a:xfrm>
+        </p:spPr>
+        <p:txBody>
+          <a:bodyPr/>
+          <a:lstStyle/>
+          <a:p>
+            <a:r>
+              <a:rPr lang="en-US" dirty="0" smtClean="0"/>
+              <a:t>Non-Linear Modeling</a:t>
+            </a:r>
+            <a:endParaRPr lang="en-US" dirty="0"/>
+          </a:p>
+        </p:txBody>
+      </p:sp>
+      <p:sp>
+        <p:nvSpPr>
+          <p:cNvPr id="3" name="Content Placeholder 2"/>
+          <p:cNvSpPr>
+            <a:spLocks noGrp="1"/>
+          </p:cNvSpPr>
+          <p:nvPr>
+            <p:ph idx="1"/>
+          </p:nvPr>
+        </p:nvSpPr>
+        <p:spPr>
+          <a:xfrm>
+            <a:off x="304800" y="1123951"/>
+            <a:ext cx="8382000" cy="1314449"/>
+          </a:xfrm>
+        </p:spPr>
+        <p:txBody>
+          <a:bodyPr/>
+          <a:lstStyle/>
+          <a:p>
+            <a:r>
+              <a:rPr lang="en-US" dirty="0" smtClean="0"/>
+              <a:t>VBGF is non-linear, in shape and parameters</a:t>
+            </a:r>
+          </a:p>
+          <a:p>
+            <a:r>
+              <a:rPr lang="en-US" dirty="0" smtClean="0"/>
+              <a:t>Non-linear least-squares minimizes RSS</a:t>
+            </a:r>
+          </a:p>
+        </p:txBody>
+      </p:sp>
+      <p:sp>
+        <p:nvSpPr>
+          <p:cNvPr id="7" name="Content Placeholder 2"/>
+          <p:cNvSpPr txBox="1">
+            <a:spLocks/>
+          </p:cNvSpPr>
+          <p:nvPr/>
+        </p:nvSpPr>
+        <p:spPr bwMode="auto">
+          <a:xfrm>
+            <a:off x="152400" y="2876551"/>
+            <a:ext cx="4648200" cy="2228849"/>
+          </a:xfrm>
+          <a:prstGeom prst="rect">
+            <a:avLst/>
+          </a:prstGeom>
+          <a:noFill/>
+          <a:ln>
+            <a:noFill/>
+          </a:ln>
+          <a:extLst>
+            <a:ext uri="{909E8E84-426E-40DD-AFC4-6F175D3DCCD1}">
+              <a14:hiddenFill xmlns:a14="http://schemas.microsoft.com/office/drawing/2010/main">
+                <a:solidFill>
+                  <a:srgbClr val="FFFFFF"/>
+                </a:solidFill>
+              </a14:hiddenFill>
+            </a:ext>
+            <a:ext uri="{91240B29-F687-4F45-9708-019B960494DF}">
+              <a14:hiddenLine xmlns:a14="http://schemas.microsoft.com/office/drawing/2010/main" w="9525">
+                <a:solidFill>
+                  <a:srgbClr val="000000"/>
+                </a:solidFill>
+                <a:miter lim="800000"/>
+                <a:headEnd/>
+                <a:tailEnd/>
+              </a14:hiddenLine>
+            </a:ext>
+          </a:extLst>
+        </p:spPr>
+        <p:txBody>
+          <a:bodyPr vert="horz" wrap="square" lIns="91440" tIns="45720" rIns="91440" bIns="45720" numCol="1" anchor="t" anchorCtr="0" compatLnSpc="1">
+            <a:prstTxWarp prst="textNoShape">
+              <a:avLst/>
+            </a:prstTxWarp>
+          </a:bodyPr>
+          <a:lstStyle>
+            <a:lvl1pPr marL="342900" indent="-342900" algn="l" rtl="0" eaLnBrk="0" fontAlgn="base" hangingPunct="0">
+              <a:spcBef>
+                <a:spcPct val="20000"/>
+              </a:spcBef>
+              <a:spcAft>
+                <a:spcPct val="0"/>
+              </a:spcAft>
+              <a:buFont typeface="Arial" charset="0"/>
+              <a:buChar char="•"/>
+              <a:defRPr sz="3200" kern="1200">
+                <a:solidFill>
+                  <a:schemeClr val="tx1"/>
+                </a:solidFill>
+                <a:latin typeface="+mn-lt"/>
+                <a:ea typeface="+mn-ea"/>
+                <a:cs typeface="+mn-cs"/>
+              </a:defRPr>
+            </a:lvl1pPr>
+            <a:lvl2pPr marL="742950" indent="-285750" algn="l" rtl="0" eaLnBrk="0" fontAlgn="base" hangingPunct="0">
+              <a:spcBef>
+                <a:spcPct val="20000"/>
+              </a:spcBef>
+              <a:spcAft>
+                <a:spcPct val="0"/>
+              </a:spcAft>
+              <a:buFont typeface="Arial" charset="0"/>
+              <a:buChar char="–"/>
+              <a:defRPr sz="2800" kern="1200">
+                <a:solidFill>
+                  <a:schemeClr val="tx1"/>
+                </a:solidFill>
+                <a:latin typeface="+mn-lt"/>
+                <a:ea typeface="+mn-ea"/>
+                <a:cs typeface="+mn-cs"/>
+              </a:defRPr>
+            </a:lvl2pPr>
+            <a:lvl3pPr marL="1143000" indent="-228600" algn="l" rtl="0" eaLnBrk="0" fontAlgn="base" hangingPunct="0">
+              <a:spcBef>
+                <a:spcPct val="20000"/>
+              </a:spcBef>
+              <a:spcAft>
+                <a:spcPct val="0"/>
+              </a:spcAft>
+              <a:buFont typeface="Arial" charset="0"/>
+              <a:buChar char="•"/>
+              <a:defRPr sz="2400" kern="1200">
+                <a:solidFill>
+                  <a:schemeClr val="tx1"/>
+                </a:solidFill>
+                <a:latin typeface="+mn-lt"/>
+                <a:ea typeface="+mn-ea"/>
+                <a:cs typeface="+mn-cs"/>
+              </a:defRPr>
+            </a:lvl3pPr>
+            <a:lvl4pPr marL="1600200" indent="-228600" algn="l" rtl="0" eaLnBrk="0" fontAlgn="base" hangingPunct="0">
+              <a:spcBef>
+                <a:spcPct val="20000"/>
+              </a:spcBef>
+              <a:spcAft>
+                <a:spcPct val="0"/>
+              </a:spcAft>
+              <a:buFont typeface="Arial" charset="0"/>
+              <a:buChar char="–"/>
+              <a:defRPr sz="2000" kern="1200">
+                <a:solidFill>
+                  <a:schemeClr val="tx1"/>
+                </a:solidFill>
+                <a:latin typeface="+mn-lt"/>
+                <a:ea typeface="+mn-ea"/>
+                <a:cs typeface="+mn-cs"/>
+              </a:defRPr>
+            </a:lvl4pPr>
+            <a:lvl5pPr marL="2057400" indent="-228600" algn="l" rtl="0" eaLnBrk="0" fontAlgn="base" hangingPunct="0">
+              <a:spcBef>
+                <a:spcPct val="20000"/>
+              </a:spcBef>
+              <a:spcAft>
+                <a:spcPct val="0"/>
+              </a:spcAft>
+              <a:buFont typeface="Arial" charset="0"/>
+              <a:buChar char="»"/>
+              <a:defRPr sz="2000" kern="1200">
+                <a:solidFill>
+                  <a:schemeClr val="tx1"/>
+                </a:solidFill>
+                <a:latin typeface="+mn-lt"/>
+                <a:ea typeface="+mn-ea"/>
+                <a:cs typeface="+mn-cs"/>
+              </a:defRPr>
+            </a:lvl5pPr>
+            <a:lvl6pPr marL="2514600" indent="-228600" algn="l" defTabSz="914400" rtl="0" eaLnBrk="1" latinLnBrk="0" hangingPunct="1">
+              <a:spcBef>
+                <a:spcPct val="20000"/>
+              </a:spcBef>
+              <a:buFont typeface="Arial" pitchFamily="34" charset="0"/>
+              <a:buChar char="•"/>
+              <a:defRPr sz="2000" kern="1200">
+                <a:solidFill>
+                  <a:schemeClr val="tx1"/>
+                </a:solidFill>
+                <a:latin typeface="+mn-lt"/>
+                <a:ea typeface="+mn-ea"/>
+                <a:cs typeface="+mn-cs"/>
+              </a:defRPr>
+            </a:lvl6pPr>
+            <a:lvl7pPr marL="2971800" indent="-228600" algn="l" defTabSz="914400" rtl="0" eaLnBrk="1" latinLnBrk="0" hangingPunct="1">
+              <a:spcBef>
+                <a:spcPct val="20000"/>
+              </a:spcBef>
+              <a:buFont typeface="Arial" pitchFamily="34" charset="0"/>
+              <a:buChar char="•"/>
+              <a:defRPr sz="2000" kern="1200">
+                <a:solidFill>
+                  <a:schemeClr val="tx1"/>
+                </a:solidFill>
+                <a:latin typeface="+mn-lt"/>
+                <a:ea typeface="+mn-ea"/>
+                <a:cs typeface="+mn-cs"/>
+              </a:defRPr>
+            </a:lvl7pPr>
+            <a:lvl8pPr marL="3429000" indent="-228600" algn="l" defTabSz="914400" rtl="0" eaLnBrk="1" latinLnBrk="0" hangingPunct="1">
+              <a:spcBef>
+                <a:spcPct val="20000"/>
+              </a:spcBef>
+              <a:buFont typeface="Arial" pitchFamily="34" charset="0"/>
+              <a:buChar char="•"/>
+              <a:defRPr sz="2000" kern="1200">
+                <a:solidFill>
+                  <a:schemeClr val="tx1"/>
+                </a:solidFill>
+                <a:latin typeface="+mn-lt"/>
+                <a:ea typeface="+mn-ea"/>
+                <a:cs typeface="+mn-cs"/>
+              </a:defRPr>
+            </a:lvl8pPr>
+            <a:lvl9pPr marL="3886200" indent="-228600" algn="l" defTabSz="914400" rtl="0" eaLnBrk="1" latinLnBrk="0" hangingPunct="1">
+              <a:spcBef>
+                <a:spcPct val="20000"/>
+              </a:spcBef>
+              <a:buFont typeface="Arial" pitchFamily="34" charset="0"/>
+              <a:buChar char="•"/>
+              <a:defRPr sz="2000" kern="1200">
+                <a:solidFill>
+                  <a:schemeClr val="tx1"/>
+                </a:solidFill>
+                <a:latin typeface="+mn-lt"/>
+                <a:ea typeface="+mn-ea"/>
+                <a:cs typeface="+mn-cs"/>
+              </a:defRPr>
+            </a:lvl9pPr>
+          </a:lstStyle>
+          <a:p>
+            <a:pPr lvl="1"/>
+            <a:r>
+              <a:rPr lang="en-US" b="0" dirty="0" smtClean="0"/>
+              <a:t>However, no closed-form solution</a:t>
+            </a:r>
+          </a:p>
+          <a:p>
+            <a:pPr lvl="1"/>
+            <a:r>
+              <a:rPr lang="en-US" b="0" dirty="0" smtClean="0"/>
+              <a:t>Algorithms require </a:t>
+            </a:r>
+            <a:r>
+              <a:rPr lang="en-US" b="0" dirty="0"/>
+              <a:t>starting values</a:t>
+            </a:r>
+          </a:p>
+          <a:p>
+            <a:pPr lvl="1"/>
+            <a:r>
+              <a:rPr lang="en-US" b="0" dirty="0"/>
+              <a:t>I</a:t>
+            </a:r>
+            <a:r>
+              <a:rPr lang="en-US" b="0" dirty="0" smtClean="0"/>
+              <a:t>teratively search for minimum RSS</a:t>
+            </a:r>
+          </a:p>
+        </p:txBody>
+      </p:sp>
+      <p:pic>
+        <p:nvPicPr>
+          <p:cNvPr id="8" name="Picture 7"/>
+          <p:cNvPicPr>
+            <a:picLocks noChangeAspect="1"/>
+          </p:cNvPicPr>
+          <p:nvPr/>
+        </p:nvPicPr>
+        <p:blipFill>
+          <a:blip r:embed="rId2"/>
+          <a:stretch>
+            <a:fillRect/>
+          </a:stretch>
+        </p:blipFill>
+        <p:spPr>
+          <a:xfrm>
+            <a:off x="4933950" y="2895600"/>
+            <a:ext cx="3810000" cy="3407986"/>
+          </a:xfrm>
+          <a:prstGeom prst="rect">
+            <a:avLst/>
+          </a:prstGeom>
+        </p:spPr>
+      </p:pic>
+      <p:sp>
+        <p:nvSpPr>
+          <p:cNvPr id="9" name="Footer Placeholder 8"/>
+          <p:cNvSpPr>
+            <a:spLocks noGrp="1"/>
+          </p:cNvSpPr>
+          <p:nvPr>
+            <p:ph type="ftr" sz="quarter" idx="10"/>
+          </p:nvPr>
+        </p:nvSpPr>
+        <p:spPr/>
+        <p:txBody>
+          <a:bodyPr/>
+          <a:lstStyle/>
+          <a:p>
+            <a:r>
+              <a:rPr lang="en-US" smtClean="0"/>
+              <a:t>Age &amp; Growth R  ●  Kansas City, MO ●  20 August 2016</a:t>
+            </a:r>
+            <a:endParaRPr lang="en-US" dirty="0"/>
+          </a:p>
+        </p:txBody>
+      </p:sp>
+    </p:spTree>
+    <p:extLst>
+      <p:ext uri="{BB962C8B-B14F-4D97-AF65-F5344CB8AC3E}">
+        <p14:creationId xmlns:p14="http://schemas.microsoft.com/office/powerpoint/2010/main" val="2412073715"/>
+      </p:ext>
+    </p:extLst>
+  </p:cSld>
+  <p:clrMapOvr>
+    <a:masterClrMapping/>
+  </p:clrMapOvr>
+  <p:timing>
+    <p:tnLst>
+      <p:par>
+        <p:cTn id="1" dur="indefinite" restart="never" nodeType="tmRoot">
+          <p:childTnLst>
+            <p:seq concurrent="1" nextAc="seek">
+              <p:cTn id="2" dur="indefinite" nodeType="mainSeq">
+                <p:childTnLst>
+                  <p:par>
+                    <p:cTn id="3" fill="hold">
+                      <p:stCondLst>
+                        <p:cond delay="indefinite"/>
+                      </p:stCondLst>
+                      <p:childTnLst>
+                        <p:par>
+                          <p:cTn id="4" fill="hold">
+                            <p:stCondLst>
+                              <p:cond delay="0"/>
+                            </p:stCondLst>
+                            <p:childTnLst>
+                              <p:par>
+                                <p:cTn id="5" presetID="1" presetClass="entr" presetSubtype="0" fill="hold" nodeType="clickEffect">
+                                  <p:stCondLst>
+                                    <p:cond delay="0"/>
+                                  </p:stCondLst>
+                                  <p:childTnLst>
+                                    <p:set>
+                                      <p:cBhvr>
+                                        <p:cTn id="6" dur="1" fill="hold">
+                                          <p:stCondLst>
+                                            <p:cond delay="0"/>
+                                          </p:stCondLst>
+                                        </p:cTn>
+                                        <p:tgtEl>
+                                          <p:spTgt spid="3">
+                                            <p:txEl>
+                                              <p:pRg st="1" end="1"/>
+                                            </p:txEl>
+                                          </p:spTgt>
+                                        </p:tgtEl>
+                                        <p:attrNameLst>
+                                          <p:attrName>style.visibility</p:attrName>
+                                        </p:attrNameLst>
+                                      </p:cBhvr>
+                                      <p:to>
+                                        <p:strVal val="visible"/>
+                                      </p:to>
+                                    </p:set>
+                                  </p:childTnLst>
+                                </p:cTn>
+                              </p:par>
+                            </p:childTnLst>
+                          </p:cTn>
+                        </p:par>
+                        <p:par>
+                          <p:cTn id="7" fill="hold">
+                            <p:stCondLst>
+                              <p:cond delay="0"/>
+                            </p:stCondLst>
+                            <p:childTnLst>
+                              <p:par>
+                                <p:cTn id="8" presetID="1" presetClass="entr" presetSubtype="0" fill="hold" nodeType="afterEffect">
+                                  <p:stCondLst>
+                                    <p:cond delay="0"/>
+                                  </p:stCondLst>
+                                  <p:childTnLst>
+                                    <p:set>
+                                      <p:cBhvr>
+                                        <p:cTn id="9" dur="1" fill="hold">
+                                          <p:stCondLst>
+                                            <p:cond delay="0"/>
+                                          </p:stCondLst>
+                                        </p:cTn>
+                                        <p:tgtEl>
+                                          <p:spTgt spid="8"/>
+                                        </p:tgtEl>
+                                        <p:attrNameLst>
+                                          <p:attrName>style.visibility</p:attrName>
+                                        </p:attrNameLst>
+                                      </p:cBhvr>
+                                      <p:to>
+                                        <p:strVal val="visible"/>
+                                      </p:to>
+                                    </p:set>
+                                  </p:childTnLst>
+                                </p:cTn>
+                              </p:par>
+                            </p:childTnLst>
+                          </p:cTn>
+                        </p:par>
+                      </p:childTnLst>
+                    </p:cTn>
+                  </p:par>
+                  <p:par>
+                    <p:cTn id="10" fill="hold">
+                      <p:stCondLst>
+                        <p:cond delay="indefinite"/>
+                      </p:stCondLst>
+                      <p:childTnLst>
+                        <p:par>
+                          <p:cTn id="11" fill="hold">
+                            <p:stCondLst>
+                              <p:cond delay="0"/>
+                            </p:stCondLst>
+                            <p:childTnLst>
+                              <p:par>
+                                <p:cTn id="12" presetID="1" presetClass="entr" presetSubtype="0" fill="hold" grpId="0" nodeType="clickEffect">
+                                  <p:stCondLst>
+                                    <p:cond delay="0"/>
+                                  </p:stCondLst>
+                                  <p:childTnLst>
+                                    <p:set>
+                                      <p:cBhvr>
+                                        <p:cTn id="13" dur="1" fill="hold">
+                                          <p:stCondLst>
+                                            <p:cond delay="0"/>
+                                          </p:stCondLst>
+                                        </p:cTn>
+                                        <p:tgtEl>
+                                          <p:spTgt spid="7">
+                                            <p:txEl>
+                                              <p:pRg st="0" end="0"/>
+                                            </p:txEl>
+                                          </p:spTgt>
+                                        </p:tgtEl>
+                                        <p:attrNameLst>
+                                          <p:attrName>style.visibility</p:attrName>
+                                        </p:attrNameLst>
+                                      </p:cBhvr>
+                                      <p:to>
+                                        <p:strVal val="visible"/>
+                                      </p:to>
+                                    </p:set>
+                                  </p:childTnLst>
+                                </p:cTn>
+                              </p:par>
+                            </p:childTnLst>
+                          </p:cTn>
+                        </p:par>
+                      </p:childTnLst>
+                    </p:cTn>
+                  </p:par>
+                  <p:par>
+                    <p:cTn id="14" fill="hold">
+                      <p:stCondLst>
+                        <p:cond delay="indefinite"/>
+                      </p:stCondLst>
+                      <p:childTnLst>
+                        <p:par>
+                          <p:cTn id="15" fill="hold">
+                            <p:stCondLst>
+                              <p:cond delay="0"/>
+                            </p:stCondLst>
+                            <p:childTnLst>
+                              <p:par>
+                                <p:cTn id="16" presetID="1" presetClass="entr" presetSubtype="0" fill="hold" grpId="0" nodeType="clickEffect">
+                                  <p:stCondLst>
+                                    <p:cond delay="0"/>
+                                  </p:stCondLst>
+                                  <p:childTnLst>
+                                    <p:set>
+                                      <p:cBhvr>
+                                        <p:cTn id="17" dur="1" fill="hold">
+                                          <p:stCondLst>
+                                            <p:cond delay="0"/>
+                                          </p:stCondLst>
+                                        </p:cTn>
+                                        <p:tgtEl>
+                                          <p:spTgt spid="7">
+                                            <p:txEl>
+                                              <p:pRg st="1" end="1"/>
+                                            </p:txEl>
+                                          </p:spTgt>
+                                        </p:tgtEl>
+                                        <p:attrNameLst>
+                                          <p:attrName>style.visibility</p:attrName>
+                                        </p:attrNameLst>
+                                      </p:cBhvr>
+                                      <p:to>
+                                        <p:strVal val="visible"/>
+                                      </p:to>
+                                    </p:set>
+                                  </p:childTnLst>
+                                </p:cTn>
+                              </p:par>
+                            </p:childTnLst>
+                          </p:cTn>
+                        </p:par>
+                      </p:childTnLst>
+                    </p:cTn>
+                  </p:par>
+                  <p:par>
+                    <p:cTn id="18" fill="hold">
+                      <p:stCondLst>
+                        <p:cond delay="indefinite"/>
+                      </p:stCondLst>
+                      <p:childTnLst>
+                        <p:par>
+                          <p:cTn id="19" fill="hold">
+                            <p:stCondLst>
+                              <p:cond delay="0"/>
+                            </p:stCondLst>
+                            <p:childTnLst>
+                              <p:par>
+                                <p:cTn id="20" presetID="1" presetClass="entr" presetSubtype="0" fill="hold" grpId="0" nodeType="clickEffect">
+                                  <p:stCondLst>
+                                    <p:cond delay="0"/>
+                                  </p:stCondLst>
+                                  <p:childTnLst>
+                                    <p:set>
+                                      <p:cBhvr>
+                                        <p:cTn id="21" dur="1" fill="hold">
+                                          <p:stCondLst>
+                                            <p:cond delay="0"/>
+                                          </p:stCondLst>
+                                        </p:cTn>
+                                        <p:tgtEl>
+                                          <p:spTgt spid="7">
+                                            <p:txEl>
+                                              <p:pRg st="2" end="2"/>
+                                            </p:txEl>
+                                          </p:spTgt>
+                                        </p:tgtEl>
+                                        <p:attrNameLst>
+                                          <p:attrName>style.visibility</p:attrName>
+                                        </p:attrNameLst>
+                                      </p:cBhvr>
+                                      <p:to>
+                                        <p:strVal val="visible"/>
+                                      </p:to>
+                                    </p:set>
+                                  </p:childTnLst>
+                                </p:cTn>
+                              </p:par>
+                            </p:childTnLst>
+                          </p:cTn>
+                        </p:par>
+                      </p:childTnLst>
+                    </p:cTn>
+                  </p:par>
+                </p:childTnLst>
+              </p:cTn>
+              <p:prevCondLst>
+                <p:cond evt="onPrev" delay="0">
+                  <p:tgtEl>
+                    <p:sldTgt/>
+                  </p:tgtEl>
+                </p:cond>
+              </p:prevCondLst>
+              <p:nextCondLst>
+                <p:cond evt="onNext" delay="0">
+                  <p:tgtEl>
+                    <p:sldTgt/>
+                  </p:tgtEl>
+                </p:cond>
+              </p:nextCondLst>
+            </p:seq>
+          </p:childTnLst>
+        </p:cTn>
+      </p:par>
+    </p:tnLst>
+    <p:bldLst>
+      <p:bldP spid="7" grpId="0" build="p" bldLvl="3"/>
+    </p:bldLst>
+  </p:timing>
+</p:sld>
+</file>
+
+<file path=ppt/slides/slide9.xml><?xml version="1.0" encoding="utf-8"?>
+<p:sld xmlns:a="http://schemas.openxmlformats.org/drawingml/2006/main" xmlns:r="http://schemas.openxmlformats.org/officeDocument/2006/relationships" xmlns:p="http://schemas.openxmlformats.org/presentationml/2006/main">
+  <p:cSld>
+    <p:spTree>
+      <p:nvGrpSpPr>
+        <p:cNvPr id="1" name=""/>
+        <p:cNvGrpSpPr/>
+        <p:nvPr/>
+      </p:nvGrpSpPr>
+      <p:grpSpPr>
+        <a:xfrm>
+          <a:off x="0" y="0"/>
+          <a:ext cx="0" cy="0"/>
+          <a:chOff x="0" y="0"/>
+          <a:chExt cx="0" cy="0"/>
+        </a:xfrm>
+      </p:grpSpPr>
+      <p:sp>
+        <p:nvSpPr>
+          <p:cNvPr id="2" name="Title 1"/>
+          <p:cNvSpPr>
+            <a:spLocks noGrp="1"/>
+          </p:cNvSpPr>
+          <p:nvPr>
+            <p:ph type="title"/>
+          </p:nvPr>
+        </p:nvSpPr>
+        <p:spPr>
+          <a:xfrm>
+            <a:off x="457200" y="0"/>
+            <a:ext cx="8229600" cy="1143000"/>
+          </a:xfrm>
+        </p:spPr>
+        <p:txBody>
+          <a:bodyPr/>
+          <a:lstStyle/>
+          <a:p>
+            <a:r>
+              <a:rPr lang="en-US" dirty="0" smtClean="0"/>
+              <a:t>Non-Linear Modeling</a:t>
+            </a:r>
+            <a:endParaRPr lang="en-US" dirty="0"/>
+          </a:p>
+        </p:txBody>
+      </p:sp>
+      <p:sp>
+        <p:nvSpPr>
+          <p:cNvPr id="3" name="Content Placeholder 2"/>
+          <p:cNvSpPr>
+            <a:spLocks noGrp="1"/>
+          </p:cNvSpPr>
+          <p:nvPr>
+            <p:ph idx="1"/>
+          </p:nvPr>
+        </p:nvSpPr>
+        <p:spPr>
+          <a:xfrm>
+            <a:off x="0" y="1123951"/>
+            <a:ext cx="9144000" cy="5353049"/>
+          </a:xfrm>
+        </p:spPr>
+        <p:txBody>
+          <a:bodyPr/>
+          <a:lstStyle/>
+          <a:p>
+            <a:r>
+              <a:rPr lang="en-US" dirty="0" smtClean="0"/>
+              <a:t>Sampling distributions of parameter estimates tend NOT to be normally distributed.</a:t>
+            </a:r>
+          </a:p>
+          <a:p>
+            <a:pPr lvl="1"/>
+            <a:endParaRPr lang="en-US" sz="2000" dirty="0"/>
+          </a:p>
+          <a:p>
+            <a:r>
+              <a:rPr lang="en-US" dirty="0" smtClean="0"/>
+              <a:t>Alternative CI #1 – Profile Likelihood Method</a:t>
+            </a:r>
+          </a:p>
+          <a:p>
+            <a:pPr lvl="1"/>
+            <a:r>
+              <a:rPr lang="en-US" dirty="0" smtClean="0"/>
+              <a:t>Use </a:t>
+            </a:r>
+            <a:r>
+              <a:rPr lang="en-US" dirty="0" smtClean="0">
+                <a:latin typeface="Symbol" panose="05050102010706020507" pitchFamily="18" charset="2"/>
+              </a:rPr>
+              <a:t>c</a:t>
+            </a:r>
+            <a:r>
+              <a:rPr lang="en-US" baseline="30000" dirty="0" smtClean="0"/>
+              <a:t>2</a:t>
+            </a:r>
+            <a:r>
+              <a:rPr lang="en-US" dirty="0" smtClean="0"/>
+              <a:t> and shape of likelihood function</a:t>
+            </a:r>
+            <a:endParaRPr lang="en-US" dirty="0"/>
+          </a:p>
+        </p:txBody>
+      </p:sp>
+      <p:sp>
+        <p:nvSpPr>
+          <p:cNvPr id="7" name="Footer Placeholder 6"/>
+          <p:cNvSpPr>
+            <a:spLocks noGrp="1"/>
+          </p:cNvSpPr>
+          <p:nvPr>
+            <p:ph type="ftr" sz="quarter" idx="10"/>
+          </p:nvPr>
+        </p:nvSpPr>
+        <p:spPr/>
+        <p:txBody>
+          <a:bodyPr/>
+          <a:lstStyle/>
+          <a:p>
+            <a:r>
+              <a:rPr lang="en-US" smtClean="0"/>
+              <a:t>Age &amp; Growth R  ●  Kansas City, MO ●  20 August 2016</a:t>
+            </a:r>
+            <a:endParaRPr lang="en-US" dirty="0"/>
+          </a:p>
+        </p:txBody>
+      </p:sp>
+    </p:spTree>
+    <p:extLst>
+      <p:ext uri="{BB962C8B-B14F-4D97-AF65-F5344CB8AC3E}">
+        <p14:creationId xmlns:p14="http://schemas.microsoft.com/office/powerpoint/2010/main" val="4113052235"/>
+      </p:ext>
+    </p:extLst>
+  </p:cSld>
+  <p:clrMapOvr>
+    <a:masterClrMapping/>
+  </p:clrMapOvr>
+  <p:timing>
+    <p:tnLst>
+      <p:par>
+        <p:cTn id="1" dur="indefinite" restart="never" nodeType="tmRoot">
+          <p:childTnLst>
+            <p:seq concurrent="1" nextAc="seek">
+              <p:cTn id="2" dur="indefinite" nodeType="mainSeq">
+                <p:childTnLst>
+                  <p:par>
+                    <p:cTn id="3" fill="hold">
+                      <p:stCondLst>
+                        <p:cond delay="indefinite"/>
+                      </p:stCondLst>
+                      <p:childTnLst>
+                        <p:par>
+                          <p:cTn id="4" fill="hold">
+                            <p:stCondLst>
+                              <p:cond delay="0"/>
+                            </p:stCondLst>
+                            <p:childTnLst>
+                              <p:par>
+                                <p:cTn id="5" presetID="1" presetClass="entr" presetSubtype="0" fill="hold" nodeType="clickEffect">
+                                  <p:stCondLst>
+                                    <p:cond delay="0"/>
+                                  </p:stCondLst>
+                                  <p:childTnLst>
+                                    <p:set>
+                                      <p:cBhvr>
+                                        <p:cTn id="6" dur="1" fill="hold">
+                                          <p:stCondLst>
+                                            <p:cond delay="0"/>
+                                          </p:stCondLst>
+                                        </p:cTn>
+                                        <p:tgtEl>
+                                          <p:spTgt spid="3">
+                                            <p:txEl>
+                                              <p:pRg st="2" end="2"/>
+                                            </p:txEl>
+                                          </p:spTgt>
+                                        </p:tgtEl>
+                                        <p:attrNameLst>
+                                          <p:attrName>style.visibility</p:attrName>
+                                        </p:attrNameLst>
+                                      </p:cBhvr>
+                                      <p:to>
+                                        <p:strVal val="visible"/>
+                                      </p:to>
+                                    </p:set>
+                                  </p:childTnLst>
+                                </p:cTn>
+                              </p:par>
+                              <p:par>
+                                <p:cTn id="7" presetID="1" presetClass="entr" presetSubtype="0" fill="hold" nodeType="withEffect">
+                                  <p:stCondLst>
+                                    <p:cond delay="0"/>
+                                  </p:stCondLst>
+                                  <p:childTnLst>
+                                    <p:set>
+                                      <p:cBhvr>
+                                        <p:cTn id="8" dur="1" fill="hold">
+                                          <p:stCondLst>
+                                            <p:cond delay="0"/>
+                                          </p:stCondLst>
+                                        </p:cTn>
+                                        <p:tgtEl>
+                                          <p:spTgt spid="3">
+                                            <p:txEl>
+                                              <p:pRg st="3" end="3"/>
+                                            </p:txEl>
+                                          </p:spTgt>
+                                        </p:tgtEl>
+                                        <p:attrNameLst>
+                                          <p:attrName>style.visibility</p:attrName>
+                                        </p:attrNameLst>
+                                      </p:cBhvr>
+                                      <p:to>
+                                        <p:strVal val="visible"/>
+                                      </p:to>
+                                    </p:set>
+                                  </p:childTnLst>
+                                </p:cTn>
+                              </p:par>
+                            </p:childTnLst>
+                          </p:cTn>
+                        </p:par>
+                      </p:childTnLst>
+                    </p:cTn>
+                  </p:par>
+                </p:childTnLst>
+              </p:cTn>
+              <p:prevCondLst>
+                <p:cond evt="onPrev" delay="0">
+                  <p:tgtEl>
+                    <p:sldTgt/>
+                  </p:tgtEl>
+                </p:cond>
+              </p:prevCondLst>
+              <p:nextCondLst>
+                <p:cond evt="onNext" delay="0">
+                  <p:tgtEl>
+                    <p:sldTgt/>
+                  </p:tgtEl>
+                </p:cond>
+              </p:nextCondLst>
+            </p:seq>
+          </p:childTnLst>
+        </p:cTn>
       </p:par>
     </p:tnLst>
   </p:timing>
